--- a/软件创新课程演示.pptx
+++ b/软件创新课程演示.pptx
@@ -5,27 +5,29 @@
     <p:sldMasterId id="2147483802" r:id="rId1"/>
   </p:sldMasterIdLst>
   <p:notesMasterIdLst>
-    <p:notesMasterId r:id="rId17"/>
+    <p:notesMasterId r:id="rId19"/>
   </p:notesMasterIdLst>
   <p:handoutMasterIdLst>
-    <p:handoutMasterId r:id="rId18"/>
+    <p:handoutMasterId r:id="rId20"/>
   </p:handoutMasterIdLst>
   <p:sldIdLst>
     <p:sldId id="256" r:id="rId2"/>
-    <p:sldId id="260" r:id="rId3"/>
-    <p:sldId id="261" r:id="rId4"/>
-    <p:sldId id="265" r:id="rId5"/>
-    <p:sldId id="288" r:id="rId6"/>
-    <p:sldId id="290" r:id="rId7"/>
-    <p:sldId id="289" r:id="rId8"/>
-    <p:sldId id="264" r:id="rId9"/>
-    <p:sldId id="285" r:id="rId10"/>
-    <p:sldId id="292" r:id="rId11"/>
-    <p:sldId id="291" r:id="rId12"/>
-    <p:sldId id="286" r:id="rId13"/>
-    <p:sldId id="287" r:id="rId14"/>
-    <p:sldId id="293" r:id="rId15"/>
-    <p:sldId id="282" r:id="rId16"/>
+    <p:sldId id="294" r:id="rId3"/>
+    <p:sldId id="260" r:id="rId4"/>
+    <p:sldId id="261" r:id="rId5"/>
+    <p:sldId id="265" r:id="rId6"/>
+    <p:sldId id="293" r:id="rId7"/>
+    <p:sldId id="288" r:id="rId8"/>
+    <p:sldId id="290" r:id="rId9"/>
+    <p:sldId id="289" r:id="rId10"/>
+    <p:sldId id="264" r:id="rId11"/>
+    <p:sldId id="295" r:id="rId12"/>
+    <p:sldId id="285" r:id="rId13"/>
+    <p:sldId id="292" r:id="rId14"/>
+    <p:sldId id="291" r:id="rId15"/>
+    <p:sldId id="286" r:id="rId16"/>
+    <p:sldId id="287" r:id="rId17"/>
+    <p:sldId id="282" r:id="rId18"/>
   </p:sldIdLst>
   <p:sldSz cx="9144000" cy="6858000" type="screen4x3"/>
   <p:notesSz cx="6858000" cy="9144000"/>
@@ -446,38 +448,37 @@
           <a:p>
             <a:pPr lvl="0"/>
             <a:r>
-              <a:rPr lang="zh-CN" altLang="en-US" smtClean="0"/>
+              <a:rPr lang="zh-CN" altLang="en-US"/>
               <a:t>编辑母版文本样式</a:t>
             </a:r>
           </a:p>
           <a:p>
             <a:pPr lvl="1"/>
             <a:r>
-              <a:rPr lang="zh-CN" altLang="en-US" smtClean="0"/>
+              <a:rPr lang="zh-CN" altLang="en-US"/>
               <a:t>第二级</a:t>
             </a:r>
           </a:p>
           <a:p>
             <a:pPr lvl="2"/>
             <a:r>
-              <a:rPr lang="zh-CN" altLang="en-US" smtClean="0"/>
+              <a:rPr lang="zh-CN" altLang="en-US"/>
               <a:t>第三级</a:t>
             </a:r>
           </a:p>
           <a:p>
             <a:pPr lvl="3"/>
             <a:r>
-              <a:rPr lang="zh-CN" altLang="en-US" smtClean="0"/>
+              <a:rPr lang="zh-CN" altLang="en-US"/>
               <a:t>第四级</a:t>
             </a:r>
           </a:p>
           <a:p>
             <a:pPr lvl="4"/>
             <a:r>
-              <a:rPr lang="zh-CN" altLang="en-US" smtClean="0"/>
+              <a:rPr lang="zh-CN" altLang="en-US"/>
               <a:t>第五级</a:t>
             </a:r>
-            <a:endParaRPr lang="zh-CN" altLang="en-US"/>
           </a:p>
         </p:txBody>
       </p:sp>
@@ -741,7 +742,7 @@
           </a:lstStyle>
           <a:p>
             <a:r>
-              <a:rPr lang="zh-CN" altLang="en-US" smtClean="0"/>
+              <a:rPr lang="zh-CN" altLang="en-US"/>
               <a:t>单击此处编辑母版标题样式</a:t>
             </a:r>
             <a:endParaRPr lang="zh-CN" altLang="en-US" dirty="0"/>
@@ -790,10 +791,9 @@
               <a:buNone/>
             </a:pPr>
             <a:r>
-              <a:rPr lang="zh-CN" altLang="en-US" smtClean="0"/>
+              <a:rPr lang="zh-CN" altLang="en-US"/>
               <a:t>单击以编辑母版副标题样式</a:t>
             </a:r>
-            <a:endParaRPr lang="zh-CN" altLang="en-US"/>
           </a:p>
         </p:txBody>
       </p:sp>
@@ -874,22 +874,7 @@
   <p:clrMapOvr>
     <a:masterClrMapping/>
   </p:clrMapOvr>
-  <mc:AlternateContent xmlns:mc="http://schemas.openxmlformats.org/markup-compatibility/2006" xmlns:p14="http://schemas.microsoft.com/office/powerpoint/2010/main">
-    <mc:Choice Requires="p14">
-      <p:transition spd="slow" p14:dur="2000"/>
-    </mc:Choice>
-    <mc:Fallback xmlns="">
-      <p:transition spd="slow"/>
-    </mc:Fallback>
-  </mc:AlternateContent>
-  <p:timing>
-    <p:tnLst>
-      <p:par>
-        <p:cTn id="1" dur="indefinite" restart="never" nodeType="tmRoot"/>
-      </p:par>
-    </p:tnLst>
-  </p:timing>
-  <p:extLst mod="1">
+  <p:extLst>
     <p:ext uri="{DCECCB84-F9BA-43D5-87BE-67443E8EF086}">
       <p15:sldGuideLst xmlns:p15="http://schemas.microsoft.com/office/powerpoint/2012/main">
         <p15:guide id="2" pos="2880">
@@ -1105,7 +1090,7 @@
           <a:lstStyle/>
           <a:p>
             <a:r>
-              <a:rPr lang="en-US" altLang="zh-CN" sz="1200" spc="-60" baseline="0" dirty="0" smtClean="0">
+              <a:rPr lang="en-US" altLang="zh-CN" sz="1200" spc="-60" baseline="0" dirty="0">
                 <a:solidFill>
                   <a:schemeClr val="bg1"/>
                 </a:solidFill>
@@ -1331,21 +1316,6 @@
   <p:clrMapOvr>
     <a:masterClrMapping/>
   </p:clrMapOvr>
-  <mc:AlternateContent xmlns:mc="http://schemas.openxmlformats.org/markup-compatibility/2006" xmlns:p14="http://schemas.microsoft.com/office/powerpoint/2010/main">
-    <mc:Choice Requires="p14">
-      <p:transition spd="slow" p14:dur="2000"/>
-    </mc:Choice>
-    <mc:Fallback xmlns="">
-      <p:transition spd="slow"/>
-    </mc:Fallback>
-  </mc:AlternateContent>
-  <p:timing>
-    <p:tnLst>
-      <p:par>
-        <p:cTn id="1" dur="indefinite" restart="never" nodeType="tmRoot"/>
-      </p:par>
-    </p:tnLst>
-  </p:timing>
 </p:sldLayout>
 </file>
 
@@ -1421,35 +1391,35 @@
           <a:p>
             <a:pPr lvl="0"/>
             <a:r>
-              <a:rPr lang="zh-CN" altLang="en-US" smtClean="0"/>
+              <a:rPr lang="zh-CN" altLang="en-US"/>
               <a:t>编辑母版文本样式</a:t>
             </a:r>
           </a:p>
           <a:p>
             <a:pPr lvl="1"/>
             <a:r>
-              <a:rPr lang="zh-CN" altLang="en-US" smtClean="0"/>
+              <a:rPr lang="zh-CN" altLang="en-US"/>
               <a:t>第二级</a:t>
             </a:r>
           </a:p>
           <a:p>
             <a:pPr lvl="2"/>
             <a:r>
-              <a:rPr lang="zh-CN" altLang="en-US" smtClean="0"/>
+              <a:rPr lang="zh-CN" altLang="en-US"/>
               <a:t>第三级</a:t>
             </a:r>
           </a:p>
           <a:p>
             <a:pPr lvl="3"/>
             <a:r>
-              <a:rPr lang="zh-CN" altLang="en-US" smtClean="0"/>
+              <a:rPr lang="zh-CN" altLang="en-US"/>
               <a:t>第四级</a:t>
             </a:r>
           </a:p>
           <a:p>
             <a:pPr lvl="4"/>
             <a:r>
-              <a:rPr lang="zh-CN" altLang="en-US" smtClean="0"/>
+              <a:rPr lang="zh-CN" altLang="en-US"/>
               <a:t>第五级</a:t>
             </a:r>
             <a:endParaRPr lang="zh-CN" altLang="en-US" dirty="0"/>
@@ -1511,35 +1481,35 @@
           <a:p>
             <a:pPr lvl="0"/>
             <a:r>
-              <a:rPr lang="zh-CN" altLang="en-US" smtClean="0"/>
+              <a:rPr lang="zh-CN" altLang="en-US"/>
               <a:t>编辑母版文本样式</a:t>
             </a:r>
           </a:p>
           <a:p>
             <a:pPr lvl="1"/>
             <a:r>
-              <a:rPr lang="zh-CN" altLang="en-US" smtClean="0"/>
+              <a:rPr lang="zh-CN" altLang="en-US"/>
               <a:t>第二级</a:t>
             </a:r>
           </a:p>
           <a:p>
             <a:pPr lvl="2"/>
             <a:r>
-              <a:rPr lang="zh-CN" altLang="en-US" smtClean="0"/>
+              <a:rPr lang="zh-CN" altLang="en-US"/>
               <a:t>第三级</a:t>
             </a:r>
           </a:p>
           <a:p>
             <a:pPr lvl="3"/>
             <a:r>
-              <a:rPr lang="zh-CN" altLang="en-US" smtClean="0"/>
+              <a:rPr lang="zh-CN" altLang="en-US"/>
               <a:t>第四级</a:t>
             </a:r>
           </a:p>
           <a:p>
             <a:pPr lvl="4"/>
             <a:r>
-              <a:rPr lang="zh-CN" altLang="en-US" smtClean="0"/>
+              <a:rPr lang="zh-CN" altLang="en-US"/>
               <a:t>第五级</a:t>
             </a:r>
             <a:endParaRPr lang="zh-CN" altLang="en-US" dirty="0"/>
@@ -1579,10 +1549,9 @@
           <a:p>
             <a:pPr lvl="0"/>
             <a:r>
-              <a:rPr lang="zh-CN" altLang="en-US" smtClean="0"/>
+              <a:rPr lang="zh-CN" altLang="en-US"/>
               <a:t>单击此处编辑母版标题样式</a:t>
             </a:r>
-            <a:endParaRPr lang="zh-CN" altLang="en-US"/>
           </a:p>
         </p:txBody>
       </p:sp>
@@ -1596,22 +1565,7 @@
   <p:clrMapOvr>
     <a:masterClrMapping/>
   </p:clrMapOvr>
-  <mc:AlternateContent xmlns:mc="http://schemas.openxmlformats.org/markup-compatibility/2006" xmlns:p14="http://schemas.microsoft.com/office/powerpoint/2010/main">
-    <mc:Choice Requires="p14">
-      <p:transition spd="slow" p14:dur="2000"/>
-    </mc:Choice>
-    <mc:Fallback xmlns="">
-      <p:transition spd="slow"/>
-    </mc:Fallback>
-  </mc:AlternateContent>
-  <p:timing>
-    <p:tnLst>
-      <p:par>
-        <p:cTn id="1" dur="indefinite" restart="never" nodeType="tmRoot"/>
-      </p:par>
-    </p:tnLst>
-  </p:timing>
-  <p:extLst mod="1">
+  <p:extLst>
     <p:ext uri="{DCECCB84-F9BA-43D5-87BE-67443E8EF086}">
       <p15:sldGuideLst xmlns:p15="http://schemas.microsoft.com/office/powerpoint/2012/main">
         <p15:guide id="1" pos="2880">
@@ -1699,7 +1653,7 @@
           <a:lstStyle/>
           <a:p>
             <a:r>
-              <a:rPr lang="en-US" altLang="zh-CN" sz="1200" spc="-60" baseline="0" dirty="0" smtClean="0">
+              <a:rPr lang="en-US" altLang="zh-CN" sz="1200" spc="-60" baseline="0" dirty="0">
                 <a:solidFill>
                   <a:schemeClr val="bg1"/>
                 </a:solidFill>
@@ -1773,35 +1727,35 @@
           <a:p>
             <a:pPr lvl="0"/>
             <a:r>
-              <a:rPr lang="zh-CN" altLang="en-US" smtClean="0"/>
+              <a:rPr lang="zh-CN" altLang="en-US"/>
               <a:t>编辑母版文本样式</a:t>
             </a:r>
           </a:p>
           <a:p>
             <a:pPr lvl="1"/>
             <a:r>
-              <a:rPr lang="zh-CN" altLang="en-US" smtClean="0"/>
+              <a:rPr lang="zh-CN" altLang="en-US"/>
               <a:t>第二级</a:t>
             </a:r>
           </a:p>
           <a:p>
             <a:pPr lvl="2"/>
             <a:r>
-              <a:rPr lang="zh-CN" altLang="en-US" smtClean="0"/>
+              <a:rPr lang="zh-CN" altLang="en-US"/>
               <a:t>第三级</a:t>
             </a:r>
           </a:p>
           <a:p>
             <a:pPr lvl="3"/>
             <a:r>
-              <a:rPr lang="zh-CN" altLang="en-US" smtClean="0"/>
+              <a:rPr lang="zh-CN" altLang="en-US"/>
               <a:t>第四级</a:t>
             </a:r>
           </a:p>
           <a:p>
             <a:pPr lvl="4"/>
             <a:r>
-              <a:rPr lang="zh-CN" altLang="en-US" smtClean="0"/>
+              <a:rPr lang="zh-CN" altLang="en-US"/>
               <a:t>第五级</a:t>
             </a:r>
             <a:endParaRPr lang="zh-CN" altLang="en-US" dirty="0"/>
@@ -1863,35 +1817,35 @@
           <a:p>
             <a:pPr lvl="0"/>
             <a:r>
-              <a:rPr lang="zh-CN" altLang="en-US" smtClean="0"/>
+              <a:rPr lang="zh-CN" altLang="en-US"/>
               <a:t>编辑母版文本样式</a:t>
             </a:r>
           </a:p>
           <a:p>
             <a:pPr lvl="1"/>
             <a:r>
-              <a:rPr lang="zh-CN" altLang="en-US" smtClean="0"/>
+              <a:rPr lang="zh-CN" altLang="en-US"/>
               <a:t>第二级</a:t>
             </a:r>
           </a:p>
           <a:p>
             <a:pPr lvl="2"/>
             <a:r>
-              <a:rPr lang="zh-CN" altLang="en-US" smtClean="0"/>
+              <a:rPr lang="zh-CN" altLang="en-US"/>
               <a:t>第三级</a:t>
             </a:r>
           </a:p>
           <a:p>
             <a:pPr lvl="3"/>
             <a:r>
-              <a:rPr lang="zh-CN" altLang="en-US" smtClean="0"/>
+              <a:rPr lang="zh-CN" altLang="en-US"/>
               <a:t>第四级</a:t>
             </a:r>
           </a:p>
           <a:p>
             <a:pPr lvl="4"/>
             <a:r>
-              <a:rPr lang="zh-CN" altLang="en-US" smtClean="0"/>
+              <a:rPr lang="zh-CN" altLang="en-US"/>
               <a:t>第五级</a:t>
             </a:r>
             <a:endParaRPr lang="zh-CN" altLang="en-US" dirty="0"/>
@@ -1976,7 +1930,7 @@
           <a:p>
             <a:pPr lvl="0"/>
             <a:r>
-              <a:rPr lang="zh-CN" altLang="en-US" smtClean="0"/>
+              <a:rPr lang="zh-CN" altLang="en-US"/>
               <a:t>单击此处编辑母版标题样式</a:t>
             </a:r>
             <a:endParaRPr lang="zh-CN" altLang="en-US" dirty="0"/>
@@ -2017,22 +1971,7 @@
   <p:clrMapOvr>
     <a:masterClrMapping/>
   </p:clrMapOvr>
-  <mc:AlternateContent xmlns:mc="http://schemas.openxmlformats.org/markup-compatibility/2006" xmlns:p14="http://schemas.microsoft.com/office/powerpoint/2010/main">
-    <mc:Choice Requires="p14">
-      <p:transition spd="slow" p14:dur="2000"/>
-    </mc:Choice>
-    <mc:Fallback xmlns="">
-      <p:transition spd="slow"/>
-    </mc:Fallback>
-  </mc:AlternateContent>
-  <p:timing>
-    <p:tnLst>
-      <p:par>
-        <p:cTn id="1" dur="indefinite" restart="never" nodeType="tmRoot"/>
-      </p:par>
-    </p:tnLst>
-  </p:timing>
-  <p:extLst mod="1">
+  <p:extLst>
     <p:ext uri="{DCECCB84-F9BA-43D5-87BE-67443E8EF086}">
       <p15:sldGuideLst xmlns:p15="http://schemas.microsoft.com/office/powerpoint/2012/main">
         <p15:guide id="1" pos="2880">
@@ -2122,10 +2061,9 @@
           </a:lstStyle>
           <a:p>
             <a:r>
-              <a:rPr lang="zh-CN" altLang="en-US" dirty="0" smtClean="0"/>
+              <a:rPr lang="zh-CN" altLang="en-US" dirty="0"/>
               <a:t>单击此处编辑标题</a:t>
             </a:r>
-            <a:endParaRPr lang="zh-CN" altLang="en-US" dirty="0"/>
           </a:p>
         </p:txBody>
       </p:sp>
@@ -2214,35 +2152,35 @@
           <a:p>
             <a:pPr lvl="0"/>
             <a:r>
-              <a:rPr lang="zh-CN" altLang="en-US" smtClean="0"/>
+              <a:rPr lang="zh-CN" altLang="en-US"/>
               <a:t>编辑母版文本样式</a:t>
             </a:r>
           </a:p>
           <a:p>
             <a:pPr lvl="1"/>
             <a:r>
-              <a:rPr lang="zh-CN" altLang="en-US" smtClean="0"/>
+              <a:rPr lang="zh-CN" altLang="en-US"/>
               <a:t>第二级</a:t>
             </a:r>
           </a:p>
           <a:p>
             <a:pPr lvl="2"/>
             <a:r>
-              <a:rPr lang="zh-CN" altLang="en-US" smtClean="0"/>
+              <a:rPr lang="zh-CN" altLang="en-US"/>
               <a:t>第三级</a:t>
             </a:r>
           </a:p>
           <a:p>
             <a:pPr lvl="3"/>
             <a:r>
-              <a:rPr lang="zh-CN" altLang="en-US" smtClean="0"/>
+              <a:rPr lang="zh-CN" altLang="en-US"/>
               <a:t>第四级</a:t>
             </a:r>
           </a:p>
           <a:p>
             <a:pPr lvl="4"/>
             <a:r>
-              <a:rPr lang="zh-CN" altLang="en-US" smtClean="0"/>
+              <a:rPr lang="zh-CN" altLang="en-US"/>
               <a:t>第五级</a:t>
             </a:r>
             <a:endParaRPr lang="zh-CN" altLang="en-US" dirty="0"/>
@@ -2304,35 +2242,35 @@
           <a:p>
             <a:pPr lvl="0"/>
             <a:r>
-              <a:rPr lang="zh-CN" altLang="en-US" smtClean="0"/>
+              <a:rPr lang="zh-CN" altLang="en-US"/>
               <a:t>编辑母版文本样式</a:t>
             </a:r>
           </a:p>
           <a:p>
             <a:pPr lvl="1"/>
             <a:r>
-              <a:rPr lang="zh-CN" altLang="en-US" smtClean="0"/>
+              <a:rPr lang="zh-CN" altLang="en-US"/>
               <a:t>第二级</a:t>
             </a:r>
           </a:p>
           <a:p>
             <a:pPr lvl="2"/>
             <a:r>
-              <a:rPr lang="zh-CN" altLang="en-US" smtClean="0"/>
+              <a:rPr lang="zh-CN" altLang="en-US"/>
               <a:t>第三级</a:t>
             </a:r>
           </a:p>
           <a:p>
             <a:pPr lvl="3"/>
             <a:r>
-              <a:rPr lang="zh-CN" altLang="en-US" smtClean="0"/>
+              <a:rPr lang="zh-CN" altLang="en-US"/>
               <a:t>第四级</a:t>
             </a:r>
           </a:p>
           <a:p>
             <a:pPr lvl="4"/>
             <a:r>
-              <a:rPr lang="zh-CN" altLang="en-US" smtClean="0"/>
+              <a:rPr lang="zh-CN" altLang="en-US"/>
               <a:t>第五级</a:t>
             </a:r>
             <a:endParaRPr lang="zh-CN" altLang="en-US" dirty="0"/>
@@ -2382,7 +2320,7 @@
               </a:spcBef>
             </a:pPr>
             <a:r>
-              <a:rPr lang="zh-CN" altLang="en-US" dirty="0" smtClean="0"/>
+              <a:rPr lang="zh-CN" altLang="en-US" dirty="0"/>
               <a:t>单击此处编辑标题</a:t>
             </a:r>
           </a:p>
@@ -2702,22 +2640,7 @@
   <p:clrMapOvr>
     <a:masterClrMapping/>
   </p:clrMapOvr>
-  <mc:AlternateContent xmlns:mc="http://schemas.openxmlformats.org/markup-compatibility/2006" xmlns:p14="http://schemas.microsoft.com/office/powerpoint/2010/main">
-    <mc:Choice Requires="p14">
-      <p:transition spd="slow" p14:dur="2000"/>
-    </mc:Choice>
-    <mc:Fallback xmlns="">
-      <p:transition spd="slow"/>
-    </mc:Fallback>
-  </mc:AlternateContent>
-  <p:timing>
-    <p:tnLst>
-      <p:par>
-        <p:cTn id="1" dur="indefinite" restart="never" nodeType="tmRoot"/>
-      </p:par>
-    </p:tnLst>
-  </p:timing>
-  <p:extLst mod="1">
+  <p:extLst>
     <p:ext uri="{DCECCB84-F9BA-43D5-87BE-67443E8EF086}">
       <p15:sldGuideLst xmlns:p15="http://schemas.microsoft.com/office/powerpoint/2012/main">
         <p15:guide id="1" pos="2880">
@@ -2933,7 +2856,7 @@
           <a:lstStyle/>
           <a:p>
             <a:r>
-              <a:rPr lang="en-US" altLang="zh-CN" sz="1200" spc="-60" baseline="0" dirty="0" smtClean="0">
+              <a:rPr lang="en-US" altLang="zh-CN" sz="1200" spc="-60" baseline="0" dirty="0">
                 <a:solidFill>
                   <a:schemeClr val="bg1"/>
                 </a:solidFill>
@@ -2986,10 +2909,9 @@
           </a:lstStyle>
           <a:p>
             <a:r>
-              <a:rPr lang="zh-CN" altLang="en-US" dirty="0" smtClean="0"/>
+              <a:rPr lang="zh-CN" altLang="en-US" dirty="0"/>
               <a:t>单击此处编辑标题</a:t>
             </a:r>
-            <a:endParaRPr lang="zh-CN" altLang="en-US" dirty="0"/>
           </a:p>
         </p:txBody>
       </p:sp>
@@ -3078,35 +3000,35 @@
           <a:p>
             <a:pPr lvl="0"/>
             <a:r>
-              <a:rPr lang="zh-CN" altLang="en-US" smtClean="0"/>
+              <a:rPr lang="zh-CN" altLang="en-US"/>
               <a:t>编辑母版文本样式</a:t>
             </a:r>
           </a:p>
           <a:p>
             <a:pPr lvl="1"/>
             <a:r>
-              <a:rPr lang="zh-CN" altLang="en-US" smtClean="0"/>
+              <a:rPr lang="zh-CN" altLang="en-US"/>
               <a:t>第二级</a:t>
             </a:r>
           </a:p>
           <a:p>
             <a:pPr lvl="2"/>
             <a:r>
-              <a:rPr lang="zh-CN" altLang="en-US" smtClean="0"/>
+              <a:rPr lang="zh-CN" altLang="en-US"/>
               <a:t>第三级</a:t>
             </a:r>
           </a:p>
           <a:p>
             <a:pPr lvl="3"/>
             <a:r>
-              <a:rPr lang="zh-CN" altLang="en-US" smtClean="0"/>
+              <a:rPr lang="zh-CN" altLang="en-US"/>
               <a:t>第四级</a:t>
             </a:r>
           </a:p>
           <a:p>
             <a:pPr lvl="4"/>
             <a:r>
-              <a:rPr lang="zh-CN" altLang="en-US" smtClean="0"/>
+              <a:rPr lang="zh-CN" altLang="en-US"/>
               <a:t>第五级</a:t>
             </a:r>
             <a:endParaRPr lang="zh-CN" altLang="en-US" dirty="0"/>
@@ -3168,35 +3090,35 @@
           <a:p>
             <a:pPr lvl="0"/>
             <a:r>
-              <a:rPr lang="zh-CN" altLang="en-US" smtClean="0"/>
+              <a:rPr lang="zh-CN" altLang="en-US"/>
               <a:t>编辑母版文本样式</a:t>
             </a:r>
           </a:p>
           <a:p>
             <a:pPr lvl="1"/>
             <a:r>
-              <a:rPr lang="zh-CN" altLang="en-US" smtClean="0"/>
+              <a:rPr lang="zh-CN" altLang="en-US"/>
               <a:t>第二级</a:t>
             </a:r>
           </a:p>
           <a:p>
             <a:pPr lvl="2"/>
             <a:r>
-              <a:rPr lang="zh-CN" altLang="en-US" smtClean="0"/>
+              <a:rPr lang="zh-CN" altLang="en-US"/>
               <a:t>第三级</a:t>
             </a:r>
           </a:p>
           <a:p>
             <a:pPr lvl="3"/>
             <a:r>
-              <a:rPr lang="zh-CN" altLang="en-US" smtClean="0"/>
+              <a:rPr lang="zh-CN" altLang="en-US"/>
               <a:t>第四级</a:t>
             </a:r>
           </a:p>
           <a:p>
             <a:pPr lvl="4"/>
             <a:r>
-              <a:rPr lang="zh-CN" altLang="en-US" smtClean="0"/>
+              <a:rPr lang="zh-CN" altLang="en-US"/>
               <a:t>第五级</a:t>
             </a:r>
             <a:endParaRPr lang="zh-CN" altLang="en-US" dirty="0"/>
@@ -3246,7 +3168,7 @@
               </a:spcBef>
             </a:pPr>
             <a:r>
-              <a:rPr lang="zh-CN" altLang="en-US" dirty="0" smtClean="0"/>
+              <a:rPr lang="zh-CN" altLang="en-US" dirty="0"/>
               <a:t>单击此处编辑标题</a:t>
             </a:r>
           </a:p>
@@ -3459,22 +3381,7 @@
   <p:clrMapOvr>
     <a:masterClrMapping/>
   </p:clrMapOvr>
-  <mc:AlternateContent xmlns:mc="http://schemas.openxmlformats.org/markup-compatibility/2006" xmlns:p14="http://schemas.microsoft.com/office/powerpoint/2010/main">
-    <mc:Choice Requires="p14">
-      <p:transition spd="slow" p14:dur="2000"/>
-    </mc:Choice>
-    <mc:Fallback xmlns="">
-      <p:transition spd="slow"/>
-    </mc:Fallback>
-  </mc:AlternateContent>
-  <p:timing>
-    <p:tnLst>
-      <p:par>
-        <p:cTn id="1" dur="indefinite" restart="never" nodeType="tmRoot"/>
-      </p:par>
-    </p:tnLst>
-  </p:timing>
-  <p:extLst mod="1">
+  <p:extLst>
     <p:ext uri="{DCECCB84-F9BA-43D5-87BE-67443E8EF086}">
       <p15:sldGuideLst xmlns:p15="http://schemas.microsoft.com/office/powerpoint/2012/main">
         <p15:guide id="1" pos="2880">
@@ -3607,10 +3514,9 @@
           </a:lstStyle>
           <a:p>
             <a:r>
-              <a:rPr lang="zh-CN" altLang="en-US" dirty="0" smtClean="0"/>
+              <a:rPr lang="zh-CN" altLang="en-US" dirty="0"/>
               <a:t>单击此处编辑母版标题样式</a:t>
             </a:r>
-            <a:endParaRPr lang="zh-CN" altLang="en-US" dirty="0"/>
           </a:p>
         </p:txBody>
       </p:sp>
@@ -3659,7 +3565,7 @@
               </a:spcBef>
             </a:pPr>
             <a:r>
-              <a:rPr lang="zh-CN" altLang="en-US" smtClean="0"/>
+              <a:rPr lang="zh-CN" altLang="en-US"/>
               <a:t>单击以编辑母版副标题样式</a:t>
             </a:r>
             <a:endParaRPr lang="zh-CN" altLang="en-US" dirty="0"/>
@@ -3702,10 +3608,9 @@
           <a:p>
             <a:pPr lvl="0"/>
             <a:r>
-              <a:rPr lang="zh-CN" altLang="en-US" dirty="0" smtClean="0"/>
+              <a:rPr lang="zh-CN" altLang="en-US" dirty="0"/>
               <a:t>单击此处添加日期</a:t>
             </a:r>
-            <a:endParaRPr lang="zh-CN" altLang="en-US" dirty="0"/>
           </a:p>
         </p:txBody>
       </p:sp>
@@ -3853,22 +3758,7 @@
   <p:clrMapOvr>
     <a:masterClrMapping/>
   </p:clrMapOvr>
-  <mc:AlternateContent xmlns:mc="http://schemas.openxmlformats.org/markup-compatibility/2006" xmlns:p14="http://schemas.microsoft.com/office/powerpoint/2010/main">
-    <mc:Choice Requires="p14">
-      <p:transition spd="slow" p14:dur="2000"/>
-    </mc:Choice>
-    <mc:Fallback xmlns="">
-      <p:transition spd="slow"/>
-    </mc:Fallback>
-  </mc:AlternateContent>
-  <p:timing>
-    <p:tnLst>
-      <p:par>
-        <p:cTn id="1" dur="indefinite" restart="never" nodeType="tmRoot"/>
-      </p:par>
-    </p:tnLst>
-  </p:timing>
-  <p:extLst mod="1">
+  <p:extLst>
     <p:ext uri="{DCECCB84-F9BA-43D5-87BE-67443E8EF086}">
       <p15:sldGuideLst xmlns:p15="http://schemas.microsoft.com/office/powerpoint/2012/main">
         <p15:guide id="2" pos="295">
@@ -4008,10 +3898,9 @@
           </a:lstStyle>
           <a:p>
             <a:r>
-              <a:rPr lang="zh-CN" altLang="en-US" smtClean="0"/>
+              <a:rPr lang="zh-CN" altLang="en-US"/>
               <a:t>单击此处编辑母版标题样式</a:t>
             </a:r>
-            <a:endParaRPr lang="zh-CN" altLang="en-US"/>
           </a:p>
         </p:txBody>
       </p:sp>
@@ -4055,21 +3944,6 @@
   <p:clrMapOvr>
     <a:masterClrMapping/>
   </p:clrMapOvr>
-  <mc:AlternateContent xmlns:mc="http://schemas.openxmlformats.org/markup-compatibility/2006" xmlns:p14="http://schemas.microsoft.com/office/powerpoint/2010/main">
-    <mc:Choice Requires="p14">
-      <p:transition spd="slow" p14:dur="2000"/>
-    </mc:Choice>
-    <mc:Fallback xmlns="">
-      <p:transition spd="slow"/>
-    </mc:Fallback>
-  </mc:AlternateContent>
-  <p:timing>
-    <p:tnLst>
-      <p:par>
-        <p:cTn id="1" dur="indefinite" restart="never" nodeType="tmRoot"/>
-      </p:par>
-    </p:tnLst>
-  </p:timing>
 </p:sldLayout>
 </file>
 
@@ -4145,35 +4019,35 @@
           <a:p>
             <a:pPr lvl="0"/>
             <a:r>
-              <a:rPr lang="zh-CN" altLang="en-US" smtClean="0"/>
+              <a:rPr lang="zh-CN" altLang="en-US"/>
               <a:t>编辑母版文本样式</a:t>
             </a:r>
           </a:p>
           <a:p>
             <a:pPr lvl="1"/>
             <a:r>
-              <a:rPr lang="zh-CN" altLang="en-US" smtClean="0"/>
+              <a:rPr lang="zh-CN" altLang="en-US"/>
               <a:t>第二级</a:t>
             </a:r>
           </a:p>
           <a:p>
             <a:pPr lvl="2"/>
             <a:r>
-              <a:rPr lang="zh-CN" altLang="en-US" smtClean="0"/>
+              <a:rPr lang="zh-CN" altLang="en-US"/>
               <a:t>第三级</a:t>
             </a:r>
           </a:p>
           <a:p>
             <a:pPr lvl="3"/>
             <a:r>
-              <a:rPr lang="zh-CN" altLang="en-US" smtClean="0"/>
+              <a:rPr lang="zh-CN" altLang="en-US"/>
               <a:t>第四级</a:t>
             </a:r>
           </a:p>
           <a:p>
             <a:pPr lvl="4"/>
             <a:r>
-              <a:rPr lang="zh-CN" altLang="en-US" smtClean="0"/>
+              <a:rPr lang="zh-CN" altLang="en-US"/>
               <a:t>第五级</a:t>
             </a:r>
             <a:endParaRPr lang="zh-CN" altLang="en-US" dirty="0"/>
@@ -4212,7 +4086,7 @@
           </a:lstStyle>
           <a:p>
             <a:r>
-              <a:rPr lang="zh-CN" altLang="en-US" smtClean="0"/>
+              <a:rPr lang="zh-CN" altLang="en-US"/>
               <a:t>单击此处编辑母版标题样式</a:t>
             </a:r>
             <a:endParaRPr lang="zh-CN" altLang="en-US" dirty="0"/>
@@ -4229,22 +4103,7 @@
   <p:clrMapOvr>
     <a:masterClrMapping/>
   </p:clrMapOvr>
-  <mc:AlternateContent xmlns:mc="http://schemas.openxmlformats.org/markup-compatibility/2006" xmlns:p14="http://schemas.microsoft.com/office/powerpoint/2010/main">
-    <mc:Choice Requires="p14">
-      <p:transition spd="slow" p14:dur="2000"/>
-    </mc:Choice>
-    <mc:Fallback xmlns="">
-      <p:transition spd="slow"/>
-    </mc:Fallback>
-  </mc:AlternateContent>
-  <p:timing>
-    <p:tnLst>
-      <p:par>
-        <p:cTn id="1" dur="indefinite" restart="never" nodeType="tmRoot"/>
-      </p:par>
-    </p:tnLst>
-  </p:timing>
-  <p:extLst mod="1">
+  <p:extLst>
     <p:ext uri="{DCECCB84-F9BA-43D5-87BE-67443E8EF086}">
       <p15:sldGuideLst xmlns:p15="http://schemas.microsoft.com/office/powerpoint/2012/main"/>
     </p:ext>
@@ -4324,35 +4183,35 @@
           <a:p>
             <a:pPr lvl="0"/>
             <a:r>
-              <a:rPr lang="zh-CN" altLang="en-US" smtClean="0"/>
+              <a:rPr lang="zh-CN" altLang="en-US"/>
               <a:t>编辑母版文本样式</a:t>
             </a:r>
           </a:p>
           <a:p>
             <a:pPr lvl="1"/>
             <a:r>
-              <a:rPr lang="zh-CN" altLang="en-US" smtClean="0"/>
+              <a:rPr lang="zh-CN" altLang="en-US"/>
               <a:t>第二级</a:t>
             </a:r>
           </a:p>
           <a:p>
             <a:pPr lvl="2"/>
             <a:r>
-              <a:rPr lang="zh-CN" altLang="en-US" smtClean="0"/>
+              <a:rPr lang="zh-CN" altLang="en-US"/>
               <a:t>第三级</a:t>
             </a:r>
           </a:p>
           <a:p>
             <a:pPr lvl="3"/>
             <a:r>
-              <a:rPr lang="zh-CN" altLang="en-US" smtClean="0"/>
+              <a:rPr lang="zh-CN" altLang="en-US"/>
               <a:t>第四级</a:t>
             </a:r>
           </a:p>
           <a:p>
             <a:pPr lvl="4"/>
             <a:r>
-              <a:rPr lang="zh-CN" altLang="en-US" smtClean="0"/>
+              <a:rPr lang="zh-CN" altLang="en-US"/>
               <a:t>第五级</a:t>
             </a:r>
             <a:endParaRPr lang="zh-CN" altLang="en-US" dirty="0"/>
@@ -4391,10 +4250,9 @@
           </a:lstStyle>
           <a:p>
             <a:r>
-              <a:rPr lang="zh-CN" altLang="en-US" smtClean="0"/>
+              <a:rPr lang="zh-CN" altLang="en-US"/>
               <a:t>单击此处编辑母版标题样式</a:t>
             </a:r>
-            <a:endParaRPr lang="zh-CN" altLang="en-US"/>
           </a:p>
         </p:txBody>
       </p:sp>
@@ -4468,7 +4326,7 @@
           <a:lstStyle/>
           <a:p>
             <a:r>
-              <a:rPr lang="en-US" altLang="zh-CN" sz="1200" spc="-60" baseline="0" dirty="0" smtClean="0">
+              <a:rPr lang="en-US" altLang="zh-CN" sz="1200" spc="-60" baseline="0" dirty="0">
                 <a:solidFill>
                   <a:schemeClr val="bg1"/>
                 </a:solidFill>
@@ -4497,22 +4355,7 @@
   <p:clrMapOvr>
     <a:masterClrMapping/>
   </p:clrMapOvr>
-  <mc:AlternateContent xmlns:mc="http://schemas.openxmlformats.org/markup-compatibility/2006" xmlns:p14="http://schemas.microsoft.com/office/powerpoint/2010/main">
-    <mc:Choice Requires="p14">
-      <p:transition spd="slow" p14:dur="2000"/>
-    </mc:Choice>
-    <mc:Fallback xmlns="">
-      <p:transition spd="slow"/>
-    </mc:Fallback>
-  </mc:AlternateContent>
-  <p:timing>
-    <p:tnLst>
-      <p:par>
-        <p:cTn id="1" dur="indefinite" restart="never" nodeType="tmRoot"/>
-      </p:par>
-    </p:tnLst>
-  </p:timing>
-  <p:extLst mod="1">
+  <p:extLst>
     <p:ext uri="{DCECCB84-F9BA-43D5-87BE-67443E8EF086}">
       <p15:sldGuideLst xmlns:p15="http://schemas.microsoft.com/office/powerpoint/2012/main"/>
     </p:ext>
@@ -4592,35 +4435,35 @@
           <a:p>
             <a:pPr lvl="0"/>
             <a:r>
-              <a:rPr lang="zh-CN" altLang="en-US" smtClean="0"/>
+              <a:rPr lang="zh-CN" altLang="en-US"/>
               <a:t>编辑母版文本样式</a:t>
             </a:r>
           </a:p>
           <a:p>
             <a:pPr lvl="1"/>
             <a:r>
-              <a:rPr lang="zh-CN" altLang="en-US" smtClean="0"/>
+              <a:rPr lang="zh-CN" altLang="en-US"/>
               <a:t>第二级</a:t>
             </a:r>
           </a:p>
           <a:p>
             <a:pPr lvl="2"/>
             <a:r>
-              <a:rPr lang="zh-CN" altLang="en-US" smtClean="0"/>
+              <a:rPr lang="zh-CN" altLang="en-US"/>
               <a:t>第三级</a:t>
             </a:r>
           </a:p>
           <a:p>
             <a:pPr lvl="3"/>
             <a:r>
-              <a:rPr lang="zh-CN" altLang="en-US" smtClean="0"/>
+              <a:rPr lang="zh-CN" altLang="en-US"/>
               <a:t>第四级</a:t>
             </a:r>
           </a:p>
           <a:p>
             <a:pPr lvl="4"/>
             <a:r>
-              <a:rPr lang="zh-CN" altLang="en-US" smtClean="0"/>
+              <a:rPr lang="zh-CN" altLang="en-US"/>
               <a:t>第五级</a:t>
             </a:r>
             <a:endParaRPr lang="zh-CN" altLang="en-US" dirty="0"/>
@@ -4659,7 +4502,7 @@
           </a:lstStyle>
           <a:p>
             <a:r>
-              <a:rPr lang="zh-CN" altLang="en-US" smtClean="0"/>
+              <a:rPr lang="zh-CN" altLang="en-US"/>
               <a:t>单击此处编辑母版标题样式</a:t>
             </a:r>
             <a:endParaRPr lang="zh-CN" altLang="en-US" dirty="0"/>
@@ -4932,22 +4775,7 @@
   <p:clrMapOvr>
     <a:masterClrMapping/>
   </p:clrMapOvr>
-  <mc:AlternateContent xmlns:mc="http://schemas.openxmlformats.org/markup-compatibility/2006" xmlns:p14="http://schemas.microsoft.com/office/powerpoint/2010/main">
-    <mc:Choice Requires="p14">
-      <p:transition spd="slow" p14:dur="2000"/>
-    </mc:Choice>
-    <mc:Fallback xmlns="">
-      <p:transition spd="slow"/>
-    </mc:Fallback>
-  </mc:AlternateContent>
-  <p:timing>
-    <p:tnLst>
-      <p:par>
-        <p:cTn id="1" dur="indefinite" restart="never" nodeType="tmRoot"/>
-      </p:par>
-    </p:tnLst>
-  </p:timing>
-  <p:extLst mod="1">
+  <p:extLst>
     <p:ext uri="{DCECCB84-F9BA-43D5-87BE-67443E8EF086}">
       <p15:sldGuideLst xmlns:p15="http://schemas.microsoft.com/office/powerpoint/2012/main"/>
     </p:ext>
@@ -5027,35 +4855,35 @@
           <a:p>
             <a:pPr lvl="0"/>
             <a:r>
-              <a:rPr lang="zh-CN" altLang="en-US" smtClean="0"/>
+              <a:rPr lang="zh-CN" altLang="en-US"/>
               <a:t>编辑母版文本样式</a:t>
             </a:r>
           </a:p>
           <a:p>
             <a:pPr lvl="1"/>
             <a:r>
-              <a:rPr lang="zh-CN" altLang="en-US" smtClean="0"/>
+              <a:rPr lang="zh-CN" altLang="en-US"/>
               <a:t>第二级</a:t>
             </a:r>
           </a:p>
           <a:p>
             <a:pPr lvl="2"/>
             <a:r>
-              <a:rPr lang="zh-CN" altLang="en-US" smtClean="0"/>
+              <a:rPr lang="zh-CN" altLang="en-US"/>
               <a:t>第三级</a:t>
             </a:r>
           </a:p>
           <a:p>
             <a:pPr lvl="3"/>
             <a:r>
-              <a:rPr lang="zh-CN" altLang="en-US" smtClean="0"/>
+              <a:rPr lang="zh-CN" altLang="en-US"/>
               <a:t>第四级</a:t>
             </a:r>
           </a:p>
           <a:p>
             <a:pPr lvl="4"/>
             <a:r>
-              <a:rPr lang="zh-CN" altLang="en-US" smtClean="0"/>
+              <a:rPr lang="zh-CN" altLang="en-US"/>
               <a:t>第五级</a:t>
             </a:r>
             <a:endParaRPr lang="zh-CN" altLang="en-US" dirty="0"/>
@@ -5094,7 +4922,7 @@
           </a:lstStyle>
           <a:p>
             <a:r>
-              <a:rPr lang="zh-CN" altLang="en-US" smtClean="0"/>
+              <a:rPr lang="zh-CN" altLang="en-US"/>
               <a:t>单击此处编辑母版标题样式</a:t>
             </a:r>
             <a:endParaRPr lang="zh-CN" altLang="en-US" dirty="0"/>
@@ -5258,7 +5086,7 @@
           <a:lstStyle/>
           <a:p>
             <a:r>
-              <a:rPr lang="en-US" altLang="zh-CN" sz="1200" spc="-60" baseline="0" dirty="0" smtClean="0">
+              <a:rPr lang="en-US" altLang="zh-CN" sz="1200" spc="-60" baseline="0" dirty="0">
                 <a:solidFill>
                   <a:schemeClr val="bg1"/>
                 </a:solidFill>
@@ -5428,7 +5256,7 @@
           <a:lstStyle/>
           <a:p>
             <a:r>
-              <a:rPr lang="en-US" altLang="zh-CN" sz="1200" spc="-60" baseline="0" dirty="0" smtClean="0">
+              <a:rPr lang="en-US" altLang="zh-CN" sz="1200" spc="-60" baseline="0" dirty="0">
                 <a:solidFill>
                   <a:schemeClr val="bg1"/>
                 </a:solidFill>
@@ -5496,23 +5324,8 @@
   <p:clrMapOvr>
     <a:masterClrMapping/>
   </p:clrMapOvr>
-  <mc:AlternateContent xmlns:mc="http://schemas.openxmlformats.org/markup-compatibility/2006" xmlns:p14="http://schemas.microsoft.com/office/powerpoint/2010/main">
-    <mc:Choice Requires="p14">
-      <p:transition spd="slow" p14:dur="2000"/>
-    </mc:Choice>
-    <mc:Fallback xmlns="">
-      <p:transition spd="slow"/>
-    </mc:Fallback>
-  </mc:AlternateContent>
-  <p:timing>
-    <p:tnLst>
-      <p:par>
-        <p:cTn id="1" dur="indefinite" restart="never" nodeType="tmRoot"/>
-      </p:par>
-    </p:tnLst>
-  </p:timing>
   <p:hf hdr="0" ftr="0" dt="0"/>
-  <p:extLst mod="1">
+  <p:extLst>
     <p:ext uri="{DCECCB84-F9BA-43D5-87BE-67443E8EF086}">
       <p15:sldGuideLst xmlns:p15="http://schemas.microsoft.com/office/powerpoint/2012/main"/>
     </p:ext>
@@ -5670,7 +5483,7 @@
           </a:lstStyle>
           <a:p>
             <a:r>
-              <a:rPr lang="zh-CN" altLang="en-US" smtClean="0"/>
+              <a:rPr lang="zh-CN" altLang="en-US"/>
               <a:t>单击此处编辑母版标题样式</a:t>
             </a:r>
             <a:endParaRPr lang="zh-CN" altLang="en-US" dirty="0"/>
@@ -5857,22 +5670,7 @@
   <p:clrMapOvr>
     <a:masterClrMapping/>
   </p:clrMapOvr>
-  <mc:AlternateContent xmlns:mc="http://schemas.openxmlformats.org/markup-compatibility/2006" xmlns:p14="http://schemas.microsoft.com/office/powerpoint/2010/main">
-    <mc:Choice Requires="p14">
-      <p:transition spd="slow" p14:dur="2000"/>
-    </mc:Choice>
-    <mc:Fallback xmlns="">
-      <p:transition spd="slow"/>
-    </mc:Fallback>
-  </mc:AlternateContent>
-  <p:timing>
-    <p:tnLst>
-      <p:par>
-        <p:cTn id="1" dur="indefinite" restart="never" nodeType="tmRoot"/>
-      </p:par>
-    </p:tnLst>
-  </p:timing>
-  <p:extLst mod="1">
+  <p:extLst>
     <p:ext uri="{DCECCB84-F9BA-43D5-87BE-67443E8EF086}">
       <p15:sldGuideLst xmlns:p15="http://schemas.microsoft.com/office/powerpoint/2012/main">
         <p15:guide id="1" pos="5556">
@@ -5960,10 +5758,9 @@
           </a:lstStyle>
           <a:p>
             <a:r>
-              <a:rPr lang="zh-CN" altLang="en-US" smtClean="0"/>
+              <a:rPr lang="zh-CN" altLang="en-US"/>
               <a:t>单击此处编辑母版标题样式</a:t>
             </a:r>
-            <a:endParaRPr lang="zh-CN" altLang="en-US"/>
           </a:p>
         </p:txBody>
       </p:sp>
@@ -5977,21 +5774,6 @@
   <p:clrMapOvr>
     <a:masterClrMapping/>
   </p:clrMapOvr>
-  <mc:AlternateContent xmlns:mc="http://schemas.openxmlformats.org/markup-compatibility/2006" xmlns:p14="http://schemas.microsoft.com/office/powerpoint/2010/main">
-    <mc:Choice Requires="p14">
-      <p:transition spd="slow" p14:dur="2000"/>
-    </mc:Choice>
-    <mc:Fallback xmlns="">
-      <p:transition spd="slow"/>
-    </mc:Fallback>
-  </mc:AlternateContent>
-  <p:timing>
-    <p:tnLst>
-      <p:par>
-        <p:cTn id="1" dur="indefinite" restart="never" nodeType="tmRoot"/>
-      </p:par>
-    </p:tnLst>
-  </p:timing>
 </p:sldLayout>
 </file>
 
@@ -6044,7 +5826,7 @@
           </a:lstStyle>
           <a:p>
             <a:r>
-              <a:rPr lang="zh-CN" altLang="en-US" smtClean="0"/>
+              <a:rPr lang="zh-CN" altLang="en-US"/>
               <a:t>单击此处编辑母版标题样式</a:t>
             </a:r>
             <a:endParaRPr lang="zh-CN" altLang="en-US" dirty="0"/>
@@ -6074,7 +5856,7 @@
           <a:lstStyle/>
           <a:p>
             <a:r>
-              <a:rPr lang="en-US" altLang="zh-CN" sz="1200" spc="-60" baseline="0" dirty="0" smtClean="0">
+              <a:rPr lang="en-US" altLang="zh-CN" sz="1200" spc="-60" baseline="0" dirty="0">
                 <a:solidFill>
                   <a:schemeClr val="bg1"/>
                 </a:solidFill>
@@ -6150,22 +5932,7 @@
   <p:clrMapOvr>
     <a:masterClrMapping/>
   </p:clrMapOvr>
-  <mc:AlternateContent xmlns:mc="http://schemas.openxmlformats.org/markup-compatibility/2006" xmlns:p14="http://schemas.microsoft.com/office/powerpoint/2010/main">
-    <mc:Choice Requires="p14">
-      <p:transition spd="slow" p14:dur="2000"/>
-    </mc:Choice>
-    <mc:Fallback xmlns="">
-      <p:transition spd="slow"/>
-    </mc:Fallback>
-  </mc:AlternateContent>
-  <p:timing>
-    <p:tnLst>
-      <p:par>
-        <p:cTn id="1" dur="indefinite" restart="never" nodeType="tmRoot"/>
-      </p:par>
-    </p:tnLst>
-  </p:timing>
-  <p:extLst mod="1">
+  <p:extLst>
     <p:ext uri="{DCECCB84-F9BA-43D5-87BE-67443E8EF086}">
       <p15:sldGuideLst xmlns:p15="http://schemas.microsoft.com/office/powerpoint/2012/main"/>
     </p:ext>
@@ -6507,13 +6274,6 @@
   <p:transition spd="med">
     <p:push/>
   </p:transition>
-  <p:timing>
-    <p:tnLst>
-      <p:par>
-        <p:cTn id="1" dur="indefinite" restart="never" nodeType="tmRoot"/>
-      </p:par>
-    </p:tnLst>
-  </p:timing>
 </p:sldLayout>
 </file>
 
@@ -6590,38 +6350,37 @@
           <a:p>
             <a:pPr lvl="0"/>
             <a:r>
-              <a:rPr lang="zh-CN" altLang="en-US" dirty="0" smtClean="0"/>
+              <a:rPr lang="zh-CN" altLang="en-US" dirty="0"/>
               <a:t>编辑母版文本样式</a:t>
             </a:r>
           </a:p>
           <a:p>
             <a:pPr lvl="1"/>
             <a:r>
-              <a:rPr lang="zh-CN" altLang="en-US" dirty="0" smtClean="0"/>
+              <a:rPr lang="zh-CN" altLang="en-US" dirty="0"/>
               <a:t>第二级</a:t>
             </a:r>
           </a:p>
           <a:p>
             <a:pPr lvl="2"/>
             <a:r>
-              <a:rPr lang="zh-CN" altLang="en-US" dirty="0" smtClean="0"/>
+              <a:rPr lang="zh-CN" altLang="en-US" dirty="0"/>
               <a:t>第三级</a:t>
             </a:r>
           </a:p>
           <a:p>
             <a:pPr lvl="3"/>
             <a:r>
-              <a:rPr lang="zh-CN" altLang="en-US" dirty="0" smtClean="0"/>
+              <a:rPr lang="zh-CN" altLang="en-US" dirty="0"/>
               <a:t>第四级</a:t>
             </a:r>
           </a:p>
           <a:p>
             <a:pPr lvl="4"/>
             <a:r>
-              <a:rPr lang="zh-CN" altLang="en-US" dirty="0" smtClean="0"/>
+              <a:rPr lang="zh-CN" altLang="en-US" dirty="0"/>
               <a:t>第五级</a:t>
             </a:r>
-            <a:endParaRPr lang="zh-CN" altLang="en-US" dirty="0"/>
           </a:p>
         </p:txBody>
       </p:sp>
@@ -6803,10 +6562,9 @@
           <a:lstStyle/>
           <a:p>
             <a:r>
-              <a:rPr lang="zh-CN" altLang="en-US" smtClean="0"/>
+              <a:rPr lang="zh-CN" altLang="en-US"/>
               <a:t>单击此处编辑母版标题样式</a:t>
             </a:r>
-            <a:endParaRPr lang="zh-CN" altLang="en-US"/>
           </a:p>
         </p:txBody>
       </p:sp>
@@ -7015,13 +6773,6 @@
   <p:transition spd="med">
     <p:push/>
   </p:transition>
-  <p:timing>
-    <p:tnLst>
-      <p:par>
-        <p:cTn id="1" dur="indefinite" restart="never" nodeType="tmRoot"/>
-      </p:par>
-    </p:tnLst>
-  </p:timing>
   <p:txStyles>
     <p:titleStyle>
       <a:lvl1pPr algn="l" defTabSz="914400" rtl="0" eaLnBrk="1" latinLnBrk="0" hangingPunct="1">
@@ -7358,10 +7109,9 @@
           <a:lstStyle/>
           <a:p>
             <a:r>
-              <a:rPr lang="zh-CN" altLang="en-US" sz="4400" dirty="0" smtClean="0"/>
+              <a:rPr lang="zh-CN" altLang="en-US" sz="4400" dirty="0"/>
               <a:t>软件创新课程项目展示</a:t>
             </a:r>
-            <a:endParaRPr lang="zh-CN" altLang="en-US" sz="4400" dirty="0"/>
           </a:p>
         </p:txBody>
       </p:sp>
@@ -7385,16 +7135,12 @@
               <a:t>陈 皓 </a:t>
             </a:r>
             <a:r>
-              <a:rPr lang="is-IS" altLang="zh-CN" sz="2000" dirty="0" smtClean="0"/>
+              <a:rPr lang="is-IS" altLang="zh-CN" sz="2000" dirty="0"/>
               <a:t>118037910046	</a:t>
             </a:r>
             <a:r>
-              <a:rPr lang="zh-CN" altLang="is-IS" sz="2000" dirty="0" smtClean="0"/>
-              <a:t>尹</a:t>
-            </a:r>
-            <a:r>
               <a:rPr lang="zh-CN" altLang="is-IS" sz="2000" dirty="0"/>
-              <a:t>君豪 </a:t>
+              <a:t>尹君豪 </a:t>
             </a:r>
             <a:r>
               <a:rPr lang="is-IS" altLang="zh-CN" sz="2000" dirty="0"/>
@@ -7433,17 +7179,1525 @@
       <p:transition/>
     </mc:Fallback>
   </mc:AlternateContent>
-  <p:timing>
-    <p:tnLst>
-      <p:par>
-        <p:cTn id="1" dur="indefinite" restart="never" nodeType="tmRoot"/>
-      </p:par>
-    </p:tnLst>
-  </p:timing>
 </p:sld>
 </file>
 
 <file path=ppt/slides/slide10.xml><?xml version="1.0" encoding="utf-8"?>
+<p:sld xmlns:a="http://schemas.openxmlformats.org/drawingml/2006/main" xmlns:r="http://schemas.openxmlformats.org/officeDocument/2006/relationships" xmlns:p="http://schemas.openxmlformats.org/presentationml/2006/main">
+  <p:cSld>
+    <p:spTree>
+      <p:nvGrpSpPr>
+        <p:cNvPr id="1" name=""/>
+        <p:cNvGrpSpPr/>
+        <p:nvPr/>
+      </p:nvGrpSpPr>
+      <p:grpSpPr>
+        <a:xfrm>
+          <a:off x="0" y="0"/>
+          <a:ext cx="0" cy="0"/>
+          <a:chOff x="0" y="0"/>
+          <a:chExt cx="0" cy="0"/>
+        </a:xfrm>
+      </p:grpSpPr>
+      <p:sp>
+        <p:nvSpPr>
+          <p:cNvPr id="2" name="标题 1"/>
+          <p:cNvSpPr>
+            <a:spLocks noGrp="1"/>
+          </p:cNvSpPr>
+          <p:nvPr>
+            <p:ph type="title"/>
+          </p:nvPr>
+        </p:nvSpPr>
+        <p:spPr/>
+        <p:txBody>
+          <a:bodyPr>
+            <a:normAutofit fontScale="90000"/>
+          </a:bodyPr>
+          <a:lstStyle/>
+          <a:p>
+            <a:r>
+              <a:rPr lang="zh-CN" altLang="en-US" dirty="0">
+                <a:latin typeface="微软雅黑" panose="020B0503020204020204" pitchFamily="34" charset="-122"/>
+                <a:ea typeface="微软雅黑" panose="020B0503020204020204" pitchFamily="34" charset="-122"/>
+              </a:rPr>
+              <a:t>目录 </a:t>
+            </a:r>
+            <a:r>
+              <a:rPr lang="en-US" altLang="zh-CN" dirty="0">
+                <a:latin typeface="微软雅黑" panose="020B0503020204020204" pitchFamily="34" charset="-122"/>
+                <a:ea typeface="微软雅黑" panose="020B0503020204020204" pitchFamily="34" charset="-122"/>
+              </a:rPr>
+              <a:t>Contents</a:t>
+            </a:r>
+            <a:endParaRPr lang="zh-CN" altLang="en-US" dirty="0">
+              <a:latin typeface="微软雅黑" panose="020B0503020204020204" pitchFamily="34" charset="-122"/>
+              <a:ea typeface="微软雅黑" panose="020B0503020204020204" pitchFamily="34" charset="-122"/>
+            </a:endParaRPr>
+          </a:p>
+        </p:txBody>
+      </p:sp>
+      <p:sp>
+        <p:nvSpPr>
+          <p:cNvPr id="4" name="Freeform 10"/>
+          <p:cNvSpPr>
+            <a:spLocks/>
+          </p:cNvSpPr>
+          <p:nvPr userDrawn="1"/>
+        </p:nvSpPr>
+        <p:spPr bwMode="auto">
+          <a:xfrm>
+            <a:off x="1841535" y="2384026"/>
+            <a:ext cx="843427" cy="378244"/>
+          </a:xfrm>
+          <a:custGeom>
+            <a:avLst/>
+            <a:gdLst>
+              <a:gd name="T0" fmla="*/ 3120 w 3800"/>
+              <a:gd name="T1" fmla="*/ 0 h 1532"/>
+              <a:gd name="T2" fmla="*/ 682 w 3800"/>
+              <a:gd name="T3" fmla="*/ 0 h 1532"/>
+              <a:gd name="T4" fmla="*/ 682 w 3800"/>
+              <a:gd name="T5" fmla="*/ 284 h 1532"/>
+              <a:gd name="T6" fmla="*/ 0 w 3800"/>
+              <a:gd name="T7" fmla="*/ 766 h 1532"/>
+              <a:gd name="T8" fmla="*/ 682 w 3800"/>
+              <a:gd name="T9" fmla="*/ 1248 h 1532"/>
+              <a:gd name="T10" fmla="*/ 682 w 3800"/>
+              <a:gd name="T11" fmla="*/ 1532 h 1532"/>
+              <a:gd name="T12" fmla="*/ 3120 w 3800"/>
+              <a:gd name="T13" fmla="*/ 1532 h 1532"/>
+              <a:gd name="T14" fmla="*/ 3120 w 3800"/>
+              <a:gd name="T15" fmla="*/ 1248 h 1532"/>
+              <a:gd name="T16" fmla="*/ 3800 w 3800"/>
+              <a:gd name="T17" fmla="*/ 766 h 1532"/>
+              <a:gd name="T18" fmla="*/ 3120 w 3800"/>
+              <a:gd name="T19" fmla="*/ 284 h 1532"/>
+              <a:gd name="T20" fmla="*/ 3120 w 3800"/>
+              <a:gd name="T21" fmla="*/ 0 h 1532"/>
+            </a:gdLst>
+            <a:ahLst/>
+            <a:cxnLst>
+              <a:cxn ang="0">
+                <a:pos x="T0" y="T1"/>
+              </a:cxn>
+              <a:cxn ang="0">
+                <a:pos x="T2" y="T3"/>
+              </a:cxn>
+              <a:cxn ang="0">
+                <a:pos x="T4" y="T5"/>
+              </a:cxn>
+              <a:cxn ang="0">
+                <a:pos x="T6" y="T7"/>
+              </a:cxn>
+              <a:cxn ang="0">
+                <a:pos x="T8" y="T9"/>
+              </a:cxn>
+              <a:cxn ang="0">
+                <a:pos x="T10" y="T11"/>
+              </a:cxn>
+              <a:cxn ang="0">
+                <a:pos x="T12" y="T13"/>
+              </a:cxn>
+              <a:cxn ang="0">
+                <a:pos x="T14" y="T15"/>
+              </a:cxn>
+              <a:cxn ang="0">
+                <a:pos x="T16" y="T17"/>
+              </a:cxn>
+              <a:cxn ang="0">
+                <a:pos x="T18" y="T19"/>
+              </a:cxn>
+              <a:cxn ang="0">
+                <a:pos x="T20" y="T21"/>
+              </a:cxn>
+            </a:cxnLst>
+            <a:rect l="0" t="0" r="r" b="b"/>
+            <a:pathLst>
+              <a:path w="3800" h="1532">
+                <a:moveTo>
+                  <a:pt x="3120" y="0"/>
+                </a:moveTo>
+                <a:lnTo>
+                  <a:pt x="682" y="0"/>
+                </a:lnTo>
+                <a:lnTo>
+                  <a:pt x="682" y="284"/>
+                </a:lnTo>
+                <a:lnTo>
+                  <a:pt x="0" y="766"/>
+                </a:lnTo>
+                <a:lnTo>
+                  <a:pt x="682" y="1248"/>
+                </a:lnTo>
+                <a:lnTo>
+                  <a:pt x="682" y="1532"/>
+                </a:lnTo>
+                <a:lnTo>
+                  <a:pt x="3120" y="1532"/>
+                </a:lnTo>
+                <a:lnTo>
+                  <a:pt x="3120" y="1248"/>
+                </a:lnTo>
+                <a:lnTo>
+                  <a:pt x="3800" y="766"/>
+                </a:lnTo>
+                <a:lnTo>
+                  <a:pt x="3120" y="284"/>
+                </a:lnTo>
+                <a:lnTo>
+                  <a:pt x="3120" y="0"/>
+                </a:lnTo>
+                <a:close/>
+              </a:path>
+            </a:pathLst>
+          </a:custGeom>
+          <a:solidFill>
+            <a:schemeClr val="bg2"/>
+          </a:solidFill>
+          <a:ln>
+            <a:noFill/>
+          </a:ln>
+        </p:spPr>
+        <p:txBody>
+          <a:bodyPr vert="horz" wrap="square" lIns="91440" tIns="45720" rIns="91440" bIns="45720" numCol="1" anchor="ctr" anchorCtr="0" compatLnSpc="1">
+            <a:prstTxWarp prst="textNoShape">
+              <a:avLst/>
+            </a:prstTxWarp>
+            <a:noAutofit/>
+          </a:bodyPr>
+          <a:lstStyle/>
+          <a:p>
+            <a:pPr algn="ctr"/>
+            <a:endParaRPr lang="zh-CN" altLang="en-US" sz="3200" b="1"/>
+          </a:p>
+        </p:txBody>
+      </p:sp>
+      <p:sp>
+        <p:nvSpPr>
+          <p:cNvPr id="5" name="文本框 4"/>
+          <p:cNvSpPr txBox="1"/>
+          <p:nvPr userDrawn="1"/>
+        </p:nvSpPr>
+        <p:spPr>
+          <a:xfrm>
+            <a:off x="2071646" y="2315251"/>
+            <a:ext cx="383206" cy="487549"/>
+          </a:xfrm>
+          <a:prstGeom prst="rect">
+            <a:avLst/>
+          </a:prstGeom>
+          <a:noFill/>
+        </p:spPr>
+        <p:txBody>
+          <a:bodyPr wrap="none" rtlCol="0" anchor="ctr">
+            <a:noAutofit/>
+          </a:bodyPr>
+          <a:lstStyle/>
+          <a:p>
+            <a:pPr algn="ctr"/>
+            <a:r>
+              <a:rPr lang="en-US" altLang="zh-CN" b="1" dirty="0">
+                <a:solidFill>
+                  <a:schemeClr val="bg1"/>
+                </a:solidFill>
+                <a:latin typeface="微软雅黑" panose="020B0503020204020204" pitchFamily="34" charset="-122"/>
+                <a:ea typeface="微软雅黑" panose="020B0503020204020204" pitchFamily="34" charset="-122"/>
+              </a:rPr>
+              <a:t>1</a:t>
+            </a:r>
+            <a:endParaRPr lang="zh-CN" altLang="en-US" b="1" dirty="0">
+              <a:solidFill>
+                <a:schemeClr val="bg1"/>
+              </a:solidFill>
+              <a:latin typeface="微软雅黑" panose="020B0503020204020204" pitchFamily="34" charset="-122"/>
+              <a:ea typeface="微软雅黑" panose="020B0503020204020204" pitchFamily="34" charset="-122"/>
+            </a:endParaRPr>
+          </a:p>
+        </p:txBody>
+      </p:sp>
+      <p:cxnSp>
+        <p:nvCxnSpPr>
+          <p:cNvPr id="7" name="直接连接符 6"/>
+          <p:cNvCxnSpPr>
+            <a:stCxn id="4" idx="6"/>
+          </p:cNvCxnSpPr>
+          <p:nvPr/>
+        </p:nvCxnSpPr>
+        <p:spPr>
+          <a:xfrm flipV="1">
+            <a:off x="2534033" y="2744217"/>
+            <a:ext cx="4500000" cy="18912"/>
+          </a:xfrm>
+          <a:prstGeom prst="line">
+            <a:avLst/>
+          </a:prstGeom>
+          <a:ln>
+            <a:solidFill>
+              <a:schemeClr val="bg2"/>
+            </a:solidFill>
+          </a:ln>
+        </p:spPr>
+        <p:style>
+          <a:lnRef idx="1">
+            <a:schemeClr val="accent1"/>
+          </a:lnRef>
+          <a:fillRef idx="0">
+            <a:schemeClr val="accent1"/>
+          </a:fillRef>
+          <a:effectRef idx="0">
+            <a:schemeClr val="accent1"/>
+          </a:effectRef>
+          <a:fontRef idx="minor">
+            <a:schemeClr val="tx1"/>
+          </a:fontRef>
+        </p:style>
+      </p:cxnSp>
+      <p:sp>
+        <p:nvSpPr>
+          <p:cNvPr id="11" name="文本框 10"/>
+          <p:cNvSpPr txBox="1"/>
+          <p:nvPr/>
+        </p:nvSpPr>
+        <p:spPr>
+          <a:xfrm>
+            <a:off x="2915073" y="2285512"/>
+            <a:ext cx="4387392" cy="461665"/>
+          </a:xfrm>
+          <a:prstGeom prst="rect">
+            <a:avLst/>
+          </a:prstGeom>
+          <a:noFill/>
+        </p:spPr>
+        <p:txBody>
+          <a:bodyPr wrap="square" rtlCol="0">
+            <a:spAutoFit/>
+          </a:bodyPr>
+          <a:lstStyle/>
+          <a:p>
+            <a:r>
+              <a:rPr lang="en-US" altLang="zh-CN" sz="2400" dirty="0"/>
+              <a:t>Requirement</a:t>
+            </a:r>
+            <a:endParaRPr lang="zh-CN" altLang="en-US" sz="2400" dirty="0"/>
+          </a:p>
+        </p:txBody>
+      </p:sp>
+      <p:sp>
+        <p:nvSpPr>
+          <p:cNvPr id="13" name="Freeform 10"/>
+          <p:cNvSpPr>
+            <a:spLocks/>
+          </p:cNvSpPr>
+          <p:nvPr userDrawn="1"/>
+        </p:nvSpPr>
+        <p:spPr bwMode="auto">
+          <a:xfrm>
+            <a:off x="1841535" y="3303999"/>
+            <a:ext cx="843427" cy="378244"/>
+          </a:xfrm>
+          <a:custGeom>
+            <a:avLst/>
+            <a:gdLst>
+              <a:gd name="T0" fmla="*/ 3120 w 3800"/>
+              <a:gd name="T1" fmla="*/ 0 h 1532"/>
+              <a:gd name="T2" fmla="*/ 682 w 3800"/>
+              <a:gd name="T3" fmla="*/ 0 h 1532"/>
+              <a:gd name="T4" fmla="*/ 682 w 3800"/>
+              <a:gd name="T5" fmla="*/ 284 h 1532"/>
+              <a:gd name="T6" fmla="*/ 0 w 3800"/>
+              <a:gd name="T7" fmla="*/ 766 h 1532"/>
+              <a:gd name="T8" fmla="*/ 682 w 3800"/>
+              <a:gd name="T9" fmla="*/ 1248 h 1532"/>
+              <a:gd name="T10" fmla="*/ 682 w 3800"/>
+              <a:gd name="T11" fmla="*/ 1532 h 1532"/>
+              <a:gd name="T12" fmla="*/ 3120 w 3800"/>
+              <a:gd name="T13" fmla="*/ 1532 h 1532"/>
+              <a:gd name="T14" fmla="*/ 3120 w 3800"/>
+              <a:gd name="T15" fmla="*/ 1248 h 1532"/>
+              <a:gd name="T16" fmla="*/ 3800 w 3800"/>
+              <a:gd name="T17" fmla="*/ 766 h 1532"/>
+              <a:gd name="T18" fmla="*/ 3120 w 3800"/>
+              <a:gd name="T19" fmla="*/ 284 h 1532"/>
+              <a:gd name="T20" fmla="*/ 3120 w 3800"/>
+              <a:gd name="T21" fmla="*/ 0 h 1532"/>
+            </a:gdLst>
+            <a:ahLst/>
+            <a:cxnLst>
+              <a:cxn ang="0">
+                <a:pos x="T0" y="T1"/>
+              </a:cxn>
+              <a:cxn ang="0">
+                <a:pos x="T2" y="T3"/>
+              </a:cxn>
+              <a:cxn ang="0">
+                <a:pos x="T4" y="T5"/>
+              </a:cxn>
+              <a:cxn ang="0">
+                <a:pos x="T6" y="T7"/>
+              </a:cxn>
+              <a:cxn ang="0">
+                <a:pos x="T8" y="T9"/>
+              </a:cxn>
+              <a:cxn ang="0">
+                <a:pos x="T10" y="T11"/>
+              </a:cxn>
+              <a:cxn ang="0">
+                <a:pos x="T12" y="T13"/>
+              </a:cxn>
+              <a:cxn ang="0">
+                <a:pos x="T14" y="T15"/>
+              </a:cxn>
+              <a:cxn ang="0">
+                <a:pos x="T16" y="T17"/>
+              </a:cxn>
+              <a:cxn ang="0">
+                <a:pos x="T18" y="T19"/>
+              </a:cxn>
+              <a:cxn ang="0">
+                <a:pos x="T20" y="T21"/>
+              </a:cxn>
+            </a:cxnLst>
+            <a:rect l="0" t="0" r="r" b="b"/>
+            <a:pathLst>
+              <a:path w="3800" h="1532">
+                <a:moveTo>
+                  <a:pt x="3120" y="0"/>
+                </a:moveTo>
+                <a:lnTo>
+                  <a:pt x="682" y="0"/>
+                </a:lnTo>
+                <a:lnTo>
+                  <a:pt x="682" y="284"/>
+                </a:lnTo>
+                <a:lnTo>
+                  <a:pt x="0" y="766"/>
+                </a:lnTo>
+                <a:lnTo>
+                  <a:pt x="682" y="1248"/>
+                </a:lnTo>
+                <a:lnTo>
+                  <a:pt x="682" y="1532"/>
+                </a:lnTo>
+                <a:lnTo>
+                  <a:pt x="3120" y="1532"/>
+                </a:lnTo>
+                <a:lnTo>
+                  <a:pt x="3120" y="1248"/>
+                </a:lnTo>
+                <a:lnTo>
+                  <a:pt x="3800" y="766"/>
+                </a:lnTo>
+                <a:lnTo>
+                  <a:pt x="3120" y="284"/>
+                </a:lnTo>
+                <a:lnTo>
+                  <a:pt x="3120" y="0"/>
+                </a:lnTo>
+                <a:close/>
+              </a:path>
+            </a:pathLst>
+          </a:custGeom>
+          <a:solidFill>
+            <a:schemeClr val="accent1"/>
+          </a:solidFill>
+          <a:ln>
+            <a:noFill/>
+          </a:ln>
+        </p:spPr>
+        <p:txBody>
+          <a:bodyPr vert="horz" wrap="square" lIns="91440" tIns="45720" rIns="91440" bIns="45720" numCol="1" anchor="ctr" anchorCtr="0" compatLnSpc="1">
+            <a:prstTxWarp prst="textNoShape">
+              <a:avLst/>
+            </a:prstTxWarp>
+            <a:noAutofit/>
+          </a:bodyPr>
+          <a:lstStyle/>
+          <a:p>
+            <a:pPr algn="ctr"/>
+            <a:endParaRPr lang="zh-CN" altLang="en-US" sz="3200" b="1"/>
+          </a:p>
+        </p:txBody>
+      </p:sp>
+      <p:sp>
+        <p:nvSpPr>
+          <p:cNvPr id="14" name="文本框 13"/>
+          <p:cNvSpPr txBox="1"/>
+          <p:nvPr userDrawn="1"/>
+        </p:nvSpPr>
+        <p:spPr>
+          <a:xfrm>
+            <a:off x="2071646" y="3235224"/>
+            <a:ext cx="383206" cy="487549"/>
+          </a:xfrm>
+          <a:prstGeom prst="rect">
+            <a:avLst/>
+          </a:prstGeom>
+          <a:noFill/>
+        </p:spPr>
+        <p:txBody>
+          <a:bodyPr wrap="none" rtlCol="0" anchor="ctr">
+            <a:noAutofit/>
+          </a:bodyPr>
+          <a:lstStyle/>
+          <a:p>
+            <a:pPr algn="ctr"/>
+            <a:r>
+              <a:rPr lang="en-US" altLang="zh-CN" b="1" dirty="0">
+                <a:solidFill>
+                  <a:schemeClr val="bg1"/>
+                </a:solidFill>
+                <a:latin typeface="微软雅黑" panose="020B0503020204020204" pitchFamily="34" charset="-122"/>
+                <a:ea typeface="微软雅黑" panose="020B0503020204020204" pitchFamily="34" charset="-122"/>
+              </a:rPr>
+              <a:t>2</a:t>
+            </a:r>
+            <a:endParaRPr lang="zh-CN" altLang="en-US" b="1" dirty="0">
+              <a:solidFill>
+                <a:schemeClr val="bg1"/>
+              </a:solidFill>
+              <a:latin typeface="微软雅黑" panose="020B0503020204020204" pitchFamily="34" charset="-122"/>
+              <a:ea typeface="微软雅黑" panose="020B0503020204020204" pitchFamily="34" charset="-122"/>
+            </a:endParaRPr>
+          </a:p>
+        </p:txBody>
+      </p:sp>
+      <p:cxnSp>
+        <p:nvCxnSpPr>
+          <p:cNvPr id="15" name="直接连接符 14"/>
+          <p:cNvCxnSpPr>
+            <a:stCxn id="13" idx="6"/>
+          </p:cNvCxnSpPr>
+          <p:nvPr/>
+        </p:nvCxnSpPr>
+        <p:spPr>
+          <a:xfrm flipV="1">
+            <a:off x="2534033" y="3664190"/>
+            <a:ext cx="4500000" cy="18912"/>
+          </a:xfrm>
+          <a:prstGeom prst="line">
+            <a:avLst/>
+          </a:prstGeom>
+          <a:ln>
+            <a:solidFill>
+              <a:schemeClr val="accent1"/>
+            </a:solidFill>
+          </a:ln>
+        </p:spPr>
+        <p:style>
+          <a:lnRef idx="1">
+            <a:schemeClr val="accent1"/>
+          </a:lnRef>
+          <a:fillRef idx="0">
+            <a:schemeClr val="accent1"/>
+          </a:fillRef>
+          <a:effectRef idx="0">
+            <a:schemeClr val="accent1"/>
+          </a:effectRef>
+          <a:fontRef idx="minor">
+            <a:schemeClr val="tx1"/>
+          </a:fontRef>
+        </p:style>
+      </p:cxnSp>
+      <p:sp>
+        <p:nvSpPr>
+          <p:cNvPr id="16" name="文本框 15"/>
+          <p:cNvSpPr txBox="1"/>
+          <p:nvPr/>
+        </p:nvSpPr>
+        <p:spPr>
+          <a:xfrm>
+            <a:off x="2915073" y="3205485"/>
+            <a:ext cx="4387392" cy="461665"/>
+          </a:xfrm>
+          <a:prstGeom prst="rect">
+            <a:avLst/>
+          </a:prstGeom>
+          <a:noFill/>
+        </p:spPr>
+        <p:txBody>
+          <a:bodyPr wrap="square" rtlCol="0">
+            <a:spAutoFit/>
+          </a:bodyPr>
+          <a:lstStyle/>
+          <a:p>
+            <a:r>
+              <a:rPr lang="en-US" altLang="zh-CN" sz="2400" dirty="0">
+                <a:solidFill>
+                  <a:schemeClr val="tx1">
+                    <a:lumMod val="75000"/>
+                    <a:lumOff val="25000"/>
+                  </a:schemeClr>
+                </a:solidFill>
+              </a:rPr>
+              <a:t>Implementation </a:t>
+            </a:r>
+          </a:p>
+        </p:txBody>
+      </p:sp>
+    </p:spTree>
+    <p:extLst>
+      <p:ext uri="{BB962C8B-B14F-4D97-AF65-F5344CB8AC3E}">
+        <p14:creationId xmlns:p14="http://schemas.microsoft.com/office/powerpoint/2010/main" val="3595279237"/>
+      </p:ext>
+    </p:extLst>
+  </p:cSld>
+  <p:clrMapOvr>
+    <a:masterClrMapping/>
+  </p:clrMapOvr>
+</p:sld>
+</file>
+
+<file path=ppt/slides/slide11.xml><?xml version="1.0" encoding="utf-8"?>
+<p:sld xmlns:a="http://schemas.openxmlformats.org/drawingml/2006/main" xmlns:r="http://schemas.openxmlformats.org/officeDocument/2006/relationships" xmlns:p="http://schemas.openxmlformats.org/presentationml/2006/main">
+  <p:cSld>
+    <p:spTree>
+      <p:nvGrpSpPr>
+        <p:cNvPr id="1" name=""/>
+        <p:cNvGrpSpPr/>
+        <p:nvPr/>
+      </p:nvGrpSpPr>
+      <p:grpSpPr>
+        <a:xfrm>
+          <a:off x="0" y="0"/>
+          <a:ext cx="0" cy="0"/>
+          <a:chOff x="0" y="0"/>
+          <a:chExt cx="0" cy="0"/>
+        </a:xfrm>
+      </p:grpSpPr>
+      <p:sp>
+        <p:nvSpPr>
+          <p:cNvPr id="10" name="矩形 9">
+            <a:extLst>
+              <a:ext uri="{FF2B5EF4-FFF2-40B4-BE49-F238E27FC236}">
+                <a16:creationId xmlns:a16="http://schemas.microsoft.com/office/drawing/2014/main" id="{41836D61-508F-4AA8-BBA3-46E21EC6B198}"/>
+              </a:ext>
+            </a:extLst>
+          </p:cNvPr>
+          <p:cNvSpPr/>
+          <p:nvPr/>
+        </p:nvSpPr>
+        <p:spPr>
+          <a:xfrm>
+            <a:off x="199502" y="2585258"/>
+            <a:ext cx="1729051" cy="2834640"/>
+          </a:xfrm>
+          <a:prstGeom prst="rect">
+            <a:avLst/>
+          </a:prstGeom>
+          <a:ln>
+            <a:prstDash val="lgDashDotDot"/>
+          </a:ln>
+        </p:spPr>
+        <p:style>
+          <a:lnRef idx="2">
+            <a:schemeClr val="dk1"/>
+          </a:lnRef>
+          <a:fillRef idx="1">
+            <a:schemeClr val="lt1"/>
+          </a:fillRef>
+          <a:effectRef idx="0">
+            <a:schemeClr val="dk1"/>
+          </a:effectRef>
+          <a:fontRef idx="minor">
+            <a:schemeClr val="dk1"/>
+          </a:fontRef>
+        </p:style>
+        <p:txBody>
+          <a:bodyPr rtlCol="0" anchor="ctr"/>
+          <a:lstStyle/>
+          <a:p>
+            <a:pPr algn="ctr"/>
+            <a:endParaRPr lang="zh-CN" altLang="en-US"/>
+          </a:p>
+        </p:txBody>
+      </p:sp>
+      <p:sp>
+        <p:nvSpPr>
+          <p:cNvPr id="5" name="内容占位符 4"/>
+          <p:cNvSpPr>
+            <a:spLocks noGrp="1"/>
+          </p:cNvSpPr>
+          <p:nvPr>
+            <p:ph sz="quarter" idx="10"/>
+          </p:nvPr>
+        </p:nvSpPr>
+        <p:spPr>
+          <a:xfrm>
+            <a:off x="494026" y="1685678"/>
+            <a:ext cx="5674018" cy="448819"/>
+          </a:xfrm>
+        </p:spPr>
+        <p:txBody>
+          <a:bodyPr>
+            <a:normAutofit/>
+          </a:bodyPr>
+          <a:lstStyle/>
+          <a:p>
+            <a:r>
+              <a:rPr lang="en-US" altLang="zh-CN" dirty="0"/>
+              <a:t>Solution validation</a:t>
+            </a:r>
+          </a:p>
+        </p:txBody>
+      </p:sp>
+      <p:sp>
+        <p:nvSpPr>
+          <p:cNvPr id="3" name="标题 2"/>
+          <p:cNvSpPr>
+            <a:spLocks noGrp="1"/>
+          </p:cNvSpPr>
+          <p:nvPr>
+            <p:ph type="title"/>
+          </p:nvPr>
+        </p:nvSpPr>
+        <p:spPr/>
+        <p:txBody>
+          <a:bodyPr/>
+          <a:lstStyle/>
+          <a:p>
+            <a:r>
+              <a:rPr lang="en-US" altLang="zh-CN" dirty="0"/>
+              <a:t>Implementation</a:t>
+            </a:r>
+            <a:endParaRPr lang="zh-CN" altLang="en-US" dirty="0"/>
+          </a:p>
+        </p:txBody>
+      </p:sp>
+      <p:sp>
+        <p:nvSpPr>
+          <p:cNvPr id="4" name="矩形 3">
+            <a:extLst>
+              <a:ext uri="{FF2B5EF4-FFF2-40B4-BE49-F238E27FC236}">
+                <a16:creationId xmlns:a16="http://schemas.microsoft.com/office/drawing/2014/main" id="{67225048-4196-4E6D-80C8-2CB1763D2CD5}"/>
+              </a:ext>
+            </a:extLst>
+          </p:cNvPr>
+          <p:cNvSpPr/>
+          <p:nvPr/>
+        </p:nvSpPr>
+        <p:spPr>
+          <a:xfrm>
+            <a:off x="2593570" y="2585257"/>
+            <a:ext cx="5020888" cy="2834641"/>
+          </a:xfrm>
+          <a:prstGeom prst="rect">
+            <a:avLst/>
+          </a:prstGeom>
+          <a:ln>
+            <a:prstDash val="lgDashDotDot"/>
+          </a:ln>
+        </p:spPr>
+        <p:style>
+          <a:lnRef idx="2">
+            <a:schemeClr val="dk1"/>
+          </a:lnRef>
+          <a:fillRef idx="1">
+            <a:schemeClr val="lt1"/>
+          </a:fillRef>
+          <a:effectRef idx="0">
+            <a:schemeClr val="dk1"/>
+          </a:effectRef>
+          <a:fontRef idx="minor">
+            <a:schemeClr val="dk1"/>
+          </a:fontRef>
+        </p:style>
+        <p:txBody>
+          <a:bodyPr rtlCol="0" anchor="ctr"/>
+          <a:lstStyle/>
+          <a:p>
+            <a:pPr algn="ctr"/>
+            <a:endParaRPr lang="zh-CN" altLang="en-US"/>
+          </a:p>
+        </p:txBody>
+      </p:sp>
+      <p:sp>
+        <p:nvSpPr>
+          <p:cNvPr id="6" name="矩形 5">
+            <a:extLst>
+              <a:ext uri="{FF2B5EF4-FFF2-40B4-BE49-F238E27FC236}">
+                <a16:creationId xmlns:a16="http://schemas.microsoft.com/office/drawing/2014/main" id="{17771A55-DE76-4783-993C-B14246A82891}"/>
+              </a:ext>
+            </a:extLst>
+          </p:cNvPr>
+          <p:cNvSpPr/>
+          <p:nvPr/>
+        </p:nvSpPr>
+        <p:spPr>
+          <a:xfrm>
+            <a:off x="494024" y="2913610"/>
+            <a:ext cx="1180407" cy="515390"/>
+          </a:xfrm>
+          <a:prstGeom prst="rect">
+            <a:avLst/>
+          </a:prstGeom>
+          <a:ln/>
+        </p:spPr>
+        <p:style>
+          <a:lnRef idx="2">
+            <a:schemeClr val="dk1"/>
+          </a:lnRef>
+          <a:fillRef idx="1">
+            <a:schemeClr val="lt1"/>
+          </a:fillRef>
+          <a:effectRef idx="0">
+            <a:schemeClr val="dk1"/>
+          </a:effectRef>
+          <a:fontRef idx="minor">
+            <a:schemeClr val="dk1"/>
+          </a:fontRef>
+        </p:style>
+        <p:txBody>
+          <a:bodyPr rtlCol="0" anchor="ctr"/>
+          <a:lstStyle/>
+          <a:p>
+            <a:pPr algn="ctr"/>
+            <a:r>
+              <a:rPr lang="en-US" altLang="zh-CN" sz="1600" dirty="0"/>
+              <a:t>Circulation</a:t>
+            </a:r>
+            <a:endParaRPr lang="zh-CN" altLang="en-US" sz="1600" dirty="0"/>
+          </a:p>
+        </p:txBody>
+      </p:sp>
+      <p:sp>
+        <p:nvSpPr>
+          <p:cNvPr id="7" name="矩形 6">
+            <a:extLst>
+              <a:ext uri="{FF2B5EF4-FFF2-40B4-BE49-F238E27FC236}">
+                <a16:creationId xmlns:a16="http://schemas.microsoft.com/office/drawing/2014/main" id="{39EC8C59-DEE1-4BDE-9646-3EAB1C7A77F6}"/>
+              </a:ext>
+            </a:extLst>
+          </p:cNvPr>
+          <p:cNvSpPr/>
+          <p:nvPr/>
+        </p:nvSpPr>
+        <p:spPr>
+          <a:xfrm>
+            <a:off x="3183772" y="2913610"/>
+            <a:ext cx="1180407" cy="515390"/>
+          </a:xfrm>
+          <a:prstGeom prst="rect">
+            <a:avLst/>
+          </a:prstGeom>
+          <a:ln/>
+        </p:spPr>
+        <p:style>
+          <a:lnRef idx="2">
+            <a:schemeClr val="dk1"/>
+          </a:lnRef>
+          <a:fillRef idx="1">
+            <a:schemeClr val="lt1"/>
+          </a:fillRef>
+          <a:effectRef idx="0">
+            <a:schemeClr val="dk1"/>
+          </a:effectRef>
+          <a:fontRef idx="minor">
+            <a:schemeClr val="dk1"/>
+          </a:fontRef>
+        </p:style>
+        <p:txBody>
+          <a:bodyPr rtlCol="0" anchor="ctr"/>
+          <a:lstStyle/>
+          <a:p>
+            <a:pPr algn="ctr"/>
+            <a:r>
+              <a:rPr lang="en-US" altLang="zh-CN" sz="1400" dirty="0"/>
+              <a:t>Training data</a:t>
+            </a:r>
+            <a:endParaRPr lang="zh-CN" altLang="en-US" sz="1400" dirty="0"/>
+          </a:p>
+        </p:txBody>
+      </p:sp>
+      <p:cxnSp>
+        <p:nvCxnSpPr>
+          <p:cNvPr id="9" name="直接箭头连接符 8">
+            <a:extLst>
+              <a:ext uri="{FF2B5EF4-FFF2-40B4-BE49-F238E27FC236}">
+                <a16:creationId xmlns:a16="http://schemas.microsoft.com/office/drawing/2014/main" id="{00C4F646-2E67-48B7-A4DB-53C89F7115BF}"/>
+              </a:ext>
+            </a:extLst>
+          </p:cNvPr>
+          <p:cNvCxnSpPr>
+            <a:stCxn id="6" idx="3"/>
+            <a:endCxn id="7" idx="1"/>
+          </p:cNvCxnSpPr>
+          <p:nvPr/>
+        </p:nvCxnSpPr>
+        <p:spPr>
+          <a:xfrm>
+            <a:off x="1674431" y="3171305"/>
+            <a:ext cx="1509341" cy="0"/>
+          </a:xfrm>
+          <a:prstGeom prst="straightConnector1">
+            <a:avLst/>
+          </a:prstGeom>
+          <a:ln>
+            <a:tailEnd type="triangle"/>
+          </a:ln>
+        </p:spPr>
+        <p:style>
+          <a:lnRef idx="1">
+            <a:schemeClr val="accent1"/>
+          </a:lnRef>
+          <a:fillRef idx="0">
+            <a:schemeClr val="accent1"/>
+          </a:fillRef>
+          <a:effectRef idx="0">
+            <a:schemeClr val="accent1"/>
+          </a:effectRef>
+          <a:fontRef idx="minor">
+            <a:schemeClr val="tx1"/>
+          </a:fontRef>
+        </p:style>
+      </p:cxnSp>
+      <p:sp>
+        <p:nvSpPr>
+          <p:cNvPr id="13" name="矩形 12">
+            <a:extLst>
+              <a:ext uri="{FF2B5EF4-FFF2-40B4-BE49-F238E27FC236}">
+                <a16:creationId xmlns:a16="http://schemas.microsoft.com/office/drawing/2014/main" id="{9334D54D-DB8A-47D8-B909-F924CCE976D9}"/>
+              </a:ext>
+            </a:extLst>
+          </p:cNvPr>
+          <p:cNvSpPr/>
+          <p:nvPr/>
+        </p:nvSpPr>
+        <p:spPr>
+          <a:xfrm>
+            <a:off x="4693113" y="2913610"/>
+            <a:ext cx="1180407" cy="515390"/>
+          </a:xfrm>
+          <a:prstGeom prst="rect">
+            <a:avLst/>
+          </a:prstGeom>
+          <a:ln/>
+        </p:spPr>
+        <p:style>
+          <a:lnRef idx="2">
+            <a:schemeClr val="dk1"/>
+          </a:lnRef>
+          <a:fillRef idx="1">
+            <a:schemeClr val="lt1"/>
+          </a:fillRef>
+          <a:effectRef idx="0">
+            <a:schemeClr val="dk1"/>
+          </a:effectRef>
+          <a:fontRef idx="minor">
+            <a:schemeClr val="dk1"/>
+          </a:fontRef>
+        </p:style>
+        <p:txBody>
+          <a:bodyPr rtlCol="0" anchor="ctr"/>
+          <a:lstStyle/>
+          <a:p>
+            <a:pPr algn="ctr"/>
+            <a:r>
+              <a:rPr lang="en-US" altLang="zh-CN" sz="1600" dirty="0"/>
+              <a:t>Model</a:t>
+            </a:r>
+            <a:endParaRPr lang="zh-CN" altLang="en-US" sz="1600" dirty="0"/>
+          </a:p>
+        </p:txBody>
+      </p:sp>
+      <p:cxnSp>
+        <p:nvCxnSpPr>
+          <p:cNvPr id="15" name="直接箭头连接符 14">
+            <a:extLst>
+              <a:ext uri="{FF2B5EF4-FFF2-40B4-BE49-F238E27FC236}">
+                <a16:creationId xmlns:a16="http://schemas.microsoft.com/office/drawing/2014/main" id="{5D642E47-0EFE-473B-BE48-C25218F64E3B}"/>
+              </a:ext>
+            </a:extLst>
+          </p:cNvPr>
+          <p:cNvCxnSpPr>
+            <a:endCxn id="13" idx="1"/>
+          </p:cNvCxnSpPr>
+          <p:nvPr/>
+        </p:nvCxnSpPr>
+        <p:spPr>
+          <a:xfrm>
+            <a:off x="4380806" y="3171305"/>
+            <a:ext cx="312307" cy="0"/>
+          </a:xfrm>
+          <a:prstGeom prst="straightConnector1">
+            <a:avLst/>
+          </a:prstGeom>
+          <a:ln>
+            <a:tailEnd type="triangle"/>
+          </a:ln>
+        </p:spPr>
+        <p:style>
+          <a:lnRef idx="1">
+            <a:schemeClr val="accent1"/>
+          </a:lnRef>
+          <a:fillRef idx="0">
+            <a:schemeClr val="accent1"/>
+          </a:fillRef>
+          <a:effectRef idx="0">
+            <a:schemeClr val="accent1"/>
+          </a:effectRef>
+          <a:fontRef idx="minor">
+            <a:schemeClr val="tx1"/>
+          </a:fontRef>
+        </p:style>
+      </p:cxnSp>
+      <p:sp>
+        <p:nvSpPr>
+          <p:cNvPr id="19" name="矩形 18">
+            <a:extLst>
+              <a:ext uri="{FF2B5EF4-FFF2-40B4-BE49-F238E27FC236}">
+                <a16:creationId xmlns:a16="http://schemas.microsoft.com/office/drawing/2014/main" id="{DC6F91FD-7097-40DB-A83A-BF83FBBD1568}"/>
+              </a:ext>
+            </a:extLst>
+          </p:cNvPr>
+          <p:cNvSpPr/>
+          <p:nvPr/>
+        </p:nvSpPr>
+        <p:spPr>
+          <a:xfrm>
+            <a:off x="3200399" y="3909059"/>
+            <a:ext cx="1180407" cy="515390"/>
+          </a:xfrm>
+          <a:prstGeom prst="rect">
+            <a:avLst/>
+          </a:prstGeom>
+          <a:ln/>
+        </p:spPr>
+        <p:style>
+          <a:lnRef idx="2">
+            <a:schemeClr val="dk1"/>
+          </a:lnRef>
+          <a:fillRef idx="1">
+            <a:schemeClr val="lt1"/>
+          </a:fillRef>
+          <a:effectRef idx="0">
+            <a:schemeClr val="dk1"/>
+          </a:effectRef>
+          <a:fontRef idx="minor">
+            <a:schemeClr val="dk1"/>
+          </a:fontRef>
+        </p:style>
+        <p:txBody>
+          <a:bodyPr rtlCol="0" anchor="ctr"/>
+          <a:lstStyle/>
+          <a:p>
+            <a:pPr algn="ctr"/>
+            <a:r>
+              <a:rPr lang="en-US" altLang="zh-CN" sz="1200" dirty="0"/>
+              <a:t>Periodical task</a:t>
+            </a:r>
+            <a:endParaRPr lang="zh-CN" altLang="en-US" sz="1200" dirty="0"/>
+          </a:p>
+        </p:txBody>
+      </p:sp>
+      <p:sp>
+        <p:nvSpPr>
+          <p:cNvPr id="20" name="文本框 19">
+            <a:extLst>
+              <a:ext uri="{FF2B5EF4-FFF2-40B4-BE49-F238E27FC236}">
+                <a16:creationId xmlns:a16="http://schemas.microsoft.com/office/drawing/2014/main" id="{578C3294-2DD3-480F-96E2-FF461FCBAC88}"/>
+              </a:ext>
+            </a:extLst>
+          </p:cNvPr>
+          <p:cNvSpPr txBox="1"/>
+          <p:nvPr/>
+        </p:nvSpPr>
+        <p:spPr>
+          <a:xfrm>
+            <a:off x="244642" y="5615246"/>
+            <a:ext cx="1429789" cy="378229"/>
+          </a:xfrm>
+          <a:prstGeom prst="rect">
+            <a:avLst/>
+          </a:prstGeom>
+          <a:noFill/>
+        </p:spPr>
+        <p:txBody>
+          <a:bodyPr wrap="square" rtlCol="0">
+            <a:spAutoFit/>
+          </a:bodyPr>
+          <a:lstStyle/>
+          <a:p>
+            <a:r>
+              <a:rPr lang="en-US" altLang="zh-CN" dirty="0"/>
+              <a:t>Library Sys</a:t>
+            </a:r>
+            <a:endParaRPr lang="zh-CN" altLang="en-US" dirty="0"/>
+          </a:p>
+        </p:txBody>
+      </p:sp>
+      <p:sp>
+        <p:nvSpPr>
+          <p:cNvPr id="21" name="文本框 20">
+            <a:extLst>
+              <a:ext uri="{FF2B5EF4-FFF2-40B4-BE49-F238E27FC236}">
+                <a16:creationId xmlns:a16="http://schemas.microsoft.com/office/drawing/2014/main" id="{266EF990-7BA4-4D07-B0AA-F079BC55680A}"/>
+              </a:ext>
+            </a:extLst>
+          </p:cNvPr>
+          <p:cNvSpPr txBox="1"/>
+          <p:nvPr/>
+        </p:nvSpPr>
+        <p:spPr>
+          <a:xfrm>
+            <a:off x="2593570" y="5615245"/>
+            <a:ext cx="1978430" cy="378229"/>
+          </a:xfrm>
+          <a:prstGeom prst="rect">
+            <a:avLst/>
+          </a:prstGeom>
+          <a:noFill/>
+        </p:spPr>
+        <p:txBody>
+          <a:bodyPr wrap="square" rtlCol="0">
+            <a:spAutoFit/>
+          </a:bodyPr>
+          <a:lstStyle/>
+          <a:p>
+            <a:r>
+              <a:rPr lang="en-US" altLang="zh-CN" dirty="0"/>
+              <a:t>Recommend Sys</a:t>
+            </a:r>
+            <a:endParaRPr lang="zh-CN" altLang="en-US" dirty="0"/>
+          </a:p>
+        </p:txBody>
+      </p:sp>
+      <p:cxnSp>
+        <p:nvCxnSpPr>
+          <p:cNvPr id="23" name="直接箭头连接符 22">
+            <a:extLst>
+              <a:ext uri="{FF2B5EF4-FFF2-40B4-BE49-F238E27FC236}">
+                <a16:creationId xmlns:a16="http://schemas.microsoft.com/office/drawing/2014/main" id="{DF39E1D9-D155-4783-8414-EB0DD4F958A1}"/>
+              </a:ext>
+            </a:extLst>
+          </p:cNvPr>
+          <p:cNvCxnSpPr>
+            <a:stCxn id="19" idx="0"/>
+          </p:cNvCxnSpPr>
+          <p:nvPr/>
+        </p:nvCxnSpPr>
+        <p:spPr>
+          <a:xfrm flipV="1">
+            <a:off x="3790603" y="3429000"/>
+            <a:ext cx="1454728" cy="480059"/>
+          </a:xfrm>
+          <a:prstGeom prst="straightConnector1">
+            <a:avLst/>
+          </a:prstGeom>
+          <a:ln>
+            <a:tailEnd type="triangle"/>
+          </a:ln>
+        </p:spPr>
+        <p:style>
+          <a:lnRef idx="1">
+            <a:schemeClr val="accent1"/>
+          </a:lnRef>
+          <a:fillRef idx="0">
+            <a:schemeClr val="accent1"/>
+          </a:fillRef>
+          <a:effectRef idx="0">
+            <a:schemeClr val="accent1"/>
+          </a:effectRef>
+          <a:fontRef idx="minor">
+            <a:schemeClr val="tx1"/>
+          </a:fontRef>
+        </p:style>
+      </p:cxnSp>
+      <p:sp>
+        <p:nvSpPr>
+          <p:cNvPr id="25" name="矩形 24">
+            <a:extLst>
+              <a:ext uri="{FF2B5EF4-FFF2-40B4-BE49-F238E27FC236}">
+                <a16:creationId xmlns:a16="http://schemas.microsoft.com/office/drawing/2014/main" id="{6673BB3E-6274-4522-8F93-37EB6FE86070}"/>
+              </a:ext>
+            </a:extLst>
+          </p:cNvPr>
+          <p:cNvSpPr/>
+          <p:nvPr/>
+        </p:nvSpPr>
+        <p:spPr>
+          <a:xfrm>
+            <a:off x="4700843" y="4491672"/>
+            <a:ext cx="1180407" cy="515390"/>
+          </a:xfrm>
+          <a:prstGeom prst="rect">
+            <a:avLst/>
+          </a:prstGeom>
+          <a:ln/>
+        </p:spPr>
+        <p:style>
+          <a:lnRef idx="2">
+            <a:schemeClr val="dk1"/>
+          </a:lnRef>
+          <a:fillRef idx="1">
+            <a:schemeClr val="lt1"/>
+          </a:fillRef>
+          <a:effectRef idx="0">
+            <a:schemeClr val="dk1"/>
+          </a:effectRef>
+          <a:fontRef idx="minor">
+            <a:schemeClr val="dk1"/>
+          </a:fontRef>
+        </p:style>
+        <p:txBody>
+          <a:bodyPr rtlCol="0" anchor="ctr"/>
+          <a:lstStyle/>
+          <a:p>
+            <a:pPr algn="ctr"/>
+            <a:r>
+              <a:rPr lang="en-US" altLang="zh-CN" sz="1200" dirty="0"/>
+              <a:t>Rank list</a:t>
+            </a:r>
+            <a:endParaRPr lang="zh-CN" altLang="en-US" sz="1200" dirty="0"/>
+          </a:p>
+        </p:txBody>
+      </p:sp>
+      <p:cxnSp>
+        <p:nvCxnSpPr>
+          <p:cNvPr id="27" name="直接箭头连接符 26">
+            <a:extLst>
+              <a:ext uri="{FF2B5EF4-FFF2-40B4-BE49-F238E27FC236}">
+                <a16:creationId xmlns:a16="http://schemas.microsoft.com/office/drawing/2014/main" id="{21619F8D-372D-432B-8089-3B9B8B72AF5F}"/>
+              </a:ext>
+            </a:extLst>
+          </p:cNvPr>
+          <p:cNvCxnSpPr>
+            <a:stCxn id="13" idx="2"/>
+            <a:endCxn id="25" idx="0"/>
+          </p:cNvCxnSpPr>
+          <p:nvPr/>
+        </p:nvCxnSpPr>
+        <p:spPr>
+          <a:xfrm>
+            <a:off x="5283317" y="3429000"/>
+            <a:ext cx="7730" cy="1062672"/>
+          </a:xfrm>
+          <a:prstGeom prst="straightConnector1">
+            <a:avLst/>
+          </a:prstGeom>
+          <a:ln>
+            <a:tailEnd type="triangle"/>
+          </a:ln>
+        </p:spPr>
+        <p:style>
+          <a:lnRef idx="1">
+            <a:schemeClr val="accent1"/>
+          </a:lnRef>
+          <a:fillRef idx="0">
+            <a:schemeClr val="accent1"/>
+          </a:fillRef>
+          <a:effectRef idx="0">
+            <a:schemeClr val="accent1"/>
+          </a:effectRef>
+          <a:fontRef idx="minor">
+            <a:schemeClr val="tx1"/>
+          </a:fontRef>
+        </p:style>
+      </p:cxnSp>
+      <p:sp>
+        <p:nvSpPr>
+          <p:cNvPr id="33" name="矩形 32">
+            <a:extLst>
+              <a:ext uri="{FF2B5EF4-FFF2-40B4-BE49-F238E27FC236}">
+                <a16:creationId xmlns:a16="http://schemas.microsoft.com/office/drawing/2014/main" id="{23201776-9A97-493E-A597-0712329F1664}"/>
+              </a:ext>
+            </a:extLst>
+          </p:cNvPr>
+          <p:cNvSpPr/>
+          <p:nvPr/>
+        </p:nvSpPr>
+        <p:spPr>
+          <a:xfrm>
+            <a:off x="6355082" y="3879760"/>
+            <a:ext cx="1180407" cy="515390"/>
+          </a:xfrm>
+          <a:prstGeom prst="rect">
+            <a:avLst/>
+          </a:prstGeom>
+          <a:ln/>
+        </p:spPr>
+        <p:style>
+          <a:lnRef idx="2">
+            <a:schemeClr val="dk1"/>
+          </a:lnRef>
+          <a:fillRef idx="1">
+            <a:schemeClr val="lt1"/>
+          </a:fillRef>
+          <a:effectRef idx="0">
+            <a:schemeClr val="dk1"/>
+          </a:effectRef>
+          <a:fontRef idx="minor">
+            <a:schemeClr val="dk1"/>
+          </a:fontRef>
+        </p:style>
+        <p:txBody>
+          <a:bodyPr rtlCol="0" anchor="ctr"/>
+          <a:lstStyle/>
+          <a:p>
+            <a:pPr algn="ctr"/>
+            <a:r>
+              <a:rPr lang="en-US" altLang="zh-CN" sz="1200" dirty="0"/>
+              <a:t>Show</a:t>
+            </a:r>
+            <a:endParaRPr lang="zh-CN" altLang="en-US" sz="1200" dirty="0"/>
+          </a:p>
+        </p:txBody>
+      </p:sp>
+      <p:cxnSp>
+        <p:nvCxnSpPr>
+          <p:cNvPr id="35" name="直接箭头连接符 34">
+            <a:extLst>
+              <a:ext uri="{FF2B5EF4-FFF2-40B4-BE49-F238E27FC236}">
+                <a16:creationId xmlns:a16="http://schemas.microsoft.com/office/drawing/2014/main" id="{55025912-F4C3-49E1-A6F7-7BF3CFFD876E}"/>
+              </a:ext>
+            </a:extLst>
+          </p:cNvPr>
+          <p:cNvCxnSpPr>
+            <a:cxnSpLocks/>
+            <a:stCxn id="25" idx="3"/>
+            <a:endCxn id="33" idx="1"/>
+          </p:cNvCxnSpPr>
+          <p:nvPr/>
+        </p:nvCxnSpPr>
+        <p:spPr>
+          <a:xfrm flipV="1">
+            <a:off x="5881250" y="4137455"/>
+            <a:ext cx="473832" cy="611912"/>
+          </a:xfrm>
+          <a:prstGeom prst="straightConnector1">
+            <a:avLst/>
+          </a:prstGeom>
+          <a:ln>
+            <a:tailEnd type="triangle"/>
+          </a:ln>
+        </p:spPr>
+        <p:style>
+          <a:lnRef idx="1">
+            <a:schemeClr val="accent1"/>
+          </a:lnRef>
+          <a:fillRef idx="0">
+            <a:schemeClr val="accent1"/>
+          </a:fillRef>
+          <a:effectRef idx="0">
+            <a:schemeClr val="accent1"/>
+          </a:effectRef>
+          <a:fontRef idx="minor">
+            <a:schemeClr val="tx1"/>
+          </a:fontRef>
+        </p:style>
+      </p:cxnSp>
+      <p:sp>
+        <p:nvSpPr>
+          <p:cNvPr id="41" name="矩形 40">
+            <a:extLst>
+              <a:ext uri="{FF2B5EF4-FFF2-40B4-BE49-F238E27FC236}">
+                <a16:creationId xmlns:a16="http://schemas.microsoft.com/office/drawing/2014/main" id="{636C99C0-27AA-4275-AD56-C9DE7BCA7BB7}"/>
+              </a:ext>
+            </a:extLst>
+          </p:cNvPr>
+          <p:cNvSpPr/>
+          <p:nvPr/>
+        </p:nvSpPr>
+        <p:spPr>
+          <a:xfrm>
+            <a:off x="473823" y="4465798"/>
+            <a:ext cx="1180407" cy="515390"/>
+          </a:xfrm>
+          <a:prstGeom prst="rect">
+            <a:avLst/>
+          </a:prstGeom>
+          <a:ln/>
+        </p:spPr>
+        <p:style>
+          <a:lnRef idx="2">
+            <a:schemeClr val="dk1"/>
+          </a:lnRef>
+          <a:fillRef idx="1">
+            <a:schemeClr val="lt1"/>
+          </a:fillRef>
+          <a:effectRef idx="0">
+            <a:schemeClr val="dk1"/>
+          </a:effectRef>
+          <a:fontRef idx="minor">
+            <a:schemeClr val="dk1"/>
+          </a:fontRef>
+        </p:style>
+        <p:txBody>
+          <a:bodyPr rtlCol="0" anchor="ctr"/>
+          <a:lstStyle/>
+          <a:p>
+            <a:pPr algn="ctr"/>
+            <a:r>
+              <a:rPr lang="en-US" altLang="zh-CN" sz="1600" dirty="0"/>
+              <a:t>Student Info</a:t>
+            </a:r>
+            <a:endParaRPr lang="zh-CN" altLang="en-US" sz="1600" dirty="0"/>
+          </a:p>
+        </p:txBody>
+      </p:sp>
+      <p:cxnSp>
+        <p:nvCxnSpPr>
+          <p:cNvPr id="43" name="直接箭头连接符 42">
+            <a:extLst>
+              <a:ext uri="{FF2B5EF4-FFF2-40B4-BE49-F238E27FC236}">
+                <a16:creationId xmlns:a16="http://schemas.microsoft.com/office/drawing/2014/main" id="{33F815CF-5930-4EA0-9112-AC07FD0C9D57}"/>
+              </a:ext>
+            </a:extLst>
+          </p:cNvPr>
+          <p:cNvCxnSpPr>
+            <a:cxnSpLocks/>
+            <a:endCxn id="25" idx="1"/>
+          </p:cNvCxnSpPr>
+          <p:nvPr/>
+        </p:nvCxnSpPr>
+        <p:spPr>
+          <a:xfrm>
+            <a:off x="1654230" y="4749367"/>
+            <a:ext cx="3046613" cy="0"/>
+          </a:xfrm>
+          <a:prstGeom prst="straightConnector1">
+            <a:avLst/>
+          </a:prstGeom>
+          <a:ln>
+            <a:tailEnd type="triangle"/>
+          </a:ln>
+        </p:spPr>
+        <p:style>
+          <a:lnRef idx="1">
+            <a:schemeClr val="accent1"/>
+          </a:lnRef>
+          <a:fillRef idx="0">
+            <a:schemeClr val="accent1"/>
+          </a:fillRef>
+          <a:effectRef idx="0">
+            <a:schemeClr val="accent1"/>
+          </a:effectRef>
+          <a:fontRef idx="minor">
+            <a:schemeClr val="tx1"/>
+          </a:fontRef>
+        </p:style>
+      </p:cxnSp>
+    </p:spTree>
+    <p:extLst>
+      <p:ext uri="{BB962C8B-B14F-4D97-AF65-F5344CB8AC3E}">
+        <p14:creationId xmlns:p14="http://schemas.microsoft.com/office/powerpoint/2010/main" val="1074379783"/>
+      </p:ext>
+    </p:extLst>
+  </p:cSld>
+  <p:clrMapOvr>
+    <a:masterClrMapping/>
+  </p:clrMapOvr>
+</p:sld>
+</file>
+
+<file path=ppt/slides/slide12.xml><?xml version="1.0" encoding="utf-8"?>
+<p:sld xmlns:a="http://schemas.openxmlformats.org/drawingml/2006/main" xmlns:r="http://schemas.openxmlformats.org/officeDocument/2006/relationships" xmlns:p="http://schemas.openxmlformats.org/presentationml/2006/main">
+  <p:cSld>
+    <p:spTree>
+      <p:nvGrpSpPr>
+        <p:cNvPr id="1" name=""/>
+        <p:cNvGrpSpPr/>
+        <p:nvPr/>
+      </p:nvGrpSpPr>
+      <p:grpSpPr>
+        <a:xfrm>
+          <a:off x="0" y="0"/>
+          <a:ext cx="0" cy="0"/>
+          <a:chOff x="0" y="0"/>
+          <a:chExt cx="0" cy="0"/>
+        </a:xfrm>
+      </p:grpSpPr>
+      <p:sp>
+        <p:nvSpPr>
+          <p:cNvPr id="5" name="内容占位符 4"/>
+          <p:cNvSpPr>
+            <a:spLocks noGrp="1"/>
+          </p:cNvSpPr>
+          <p:nvPr>
+            <p:ph sz="quarter" idx="10"/>
+          </p:nvPr>
+        </p:nvSpPr>
+        <p:spPr/>
+        <p:txBody>
+          <a:bodyPr>
+            <a:normAutofit/>
+          </a:bodyPr>
+          <a:lstStyle/>
+          <a:p>
+            <a:r>
+              <a:rPr lang="en-US" altLang="zh-CN" dirty="0"/>
+              <a:t>Solution validation</a:t>
+            </a:r>
+          </a:p>
+        </p:txBody>
+      </p:sp>
+      <p:sp>
+        <p:nvSpPr>
+          <p:cNvPr id="3" name="标题 2"/>
+          <p:cNvSpPr>
+            <a:spLocks noGrp="1"/>
+          </p:cNvSpPr>
+          <p:nvPr>
+            <p:ph type="title"/>
+          </p:nvPr>
+        </p:nvSpPr>
+        <p:spPr/>
+        <p:txBody>
+          <a:bodyPr/>
+          <a:lstStyle/>
+          <a:p>
+            <a:r>
+              <a:rPr lang="en-US" altLang="zh-CN" dirty="0"/>
+              <a:t>Implementation</a:t>
+            </a:r>
+            <a:endParaRPr lang="zh-CN" altLang="en-US" dirty="0"/>
+          </a:p>
+        </p:txBody>
+      </p:sp>
+      <p:pic>
+        <p:nvPicPr>
+          <p:cNvPr id="2" name="图片 1"/>
+          <p:cNvPicPr>
+            <a:picLocks noChangeAspect="1"/>
+          </p:cNvPicPr>
+          <p:nvPr/>
+        </p:nvPicPr>
+        <p:blipFill>
+          <a:blip r:embed="rId2">
+            <a:extLst>
+              <a:ext uri="{28A0092B-C50C-407E-A947-70E740481C1C}">
+                <a14:useLocalDpi xmlns:a14="http://schemas.microsoft.com/office/drawing/2010/main" val="0"/>
+              </a:ext>
+            </a:extLst>
+          </a:blip>
+          <a:stretch>
+            <a:fillRect/>
+          </a:stretch>
+        </p:blipFill>
+        <p:spPr>
+          <a:xfrm>
+            <a:off x="108105" y="1731159"/>
+            <a:ext cx="9144000" cy="5699484"/>
+          </a:xfrm>
+          <a:prstGeom prst="rect">
+            <a:avLst/>
+          </a:prstGeom>
+        </p:spPr>
+      </p:pic>
+    </p:spTree>
+    <p:extLst>
+      <p:ext uri="{BB962C8B-B14F-4D97-AF65-F5344CB8AC3E}">
+        <p14:creationId xmlns:p14="http://schemas.microsoft.com/office/powerpoint/2010/main" val="794682622"/>
+      </p:ext>
+    </p:extLst>
+  </p:cSld>
+  <p:clrMapOvr>
+    <a:masterClrMapping/>
+  </p:clrMapOvr>
+</p:sld>
+</file>
+
+<file path=ppt/slides/slide13.xml><?xml version="1.0" encoding="utf-8"?>
 <p:sld xmlns:a="http://schemas.openxmlformats.org/drawingml/2006/main" xmlns:r="http://schemas.openxmlformats.org/officeDocument/2006/relationships" xmlns:p="http://schemas.openxmlformats.org/presentationml/2006/main">
   <p:cSld>
     <p:spTree>
@@ -7582,25 +8836,10 @@
   <p:clrMapOvr>
     <a:masterClrMapping/>
   </p:clrMapOvr>
-  <mc:AlternateContent xmlns:mc="http://schemas.openxmlformats.org/markup-compatibility/2006" xmlns:p14="http://schemas.microsoft.com/office/powerpoint/2010/main">
-    <mc:Choice Requires="p14">
-      <p:transition spd="slow" p14:dur="2000"/>
-    </mc:Choice>
-    <mc:Fallback xmlns="">
-      <p:transition spd="slow"/>
-    </mc:Fallback>
-  </mc:AlternateContent>
-  <p:timing>
-    <p:tnLst>
-      <p:par>
-        <p:cTn id="1" dur="indefinite" restart="never" nodeType="tmRoot"/>
-      </p:par>
-    </p:tnLst>
-  </p:timing>
 </p:sld>
 </file>
 
-<file path=ppt/slides/slide11.xml><?xml version="1.0" encoding="utf-8"?>
+<file path=ppt/slides/slide14.xml><?xml version="1.0" encoding="utf-8"?>
 <p:sld xmlns:a="http://schemas.openxmlformats.org/drawingml/2006/main" xmlns:r="http://schemas.openxmlformats.org/officeDocument/2006/relationships" xmlns:p="http://schemas.openxmlformats.org/presentationml/2006/main">
   <p:cSld>
     <p:spTree>
@@ -7635,11 +8874,11 @@
           <a:lstStyle/>
           <a:p>
             <a:r>
-              <a:rPr lang="en-US" altLang="zh-CN" dirty="0" err="1" smtClean="0"/>
+              <a:rPr lang="en-US" altLang="zh-CN" dirty="0" err="1"/>
               <a:t>Git</a:t>
             </a:r>
             <a:r>
-              <a:rPr lang="en-US" altLang="zh-CN" dirty="0" smtClean="0"/>
+              <a:rPr lang="en-US" altLang="zh-CN" dirty="0"/>
               <a:t> workflow</a:t>
             </a:r>
           </a:p>
@@ -7668,6 +8907,42 @@
           </a:p>
         </p:txBody>
       </p:sp>
+      <p:pic>
+        <p:nvPicPr>
+          <p:cNvPr id="4" name="图片 3">
+            <a:extLst>
+              <a:ext uri="{FF2B5EF4-FFF2-40B4-BE49-F238E27FC236}">
+                <a16:creationId xmlns:a16="http://schemas.microsoft.com/office/drawing/2014/main" id="{D97E503A-3C22-4F6C-880B-E71F99863202}"/>
+              </a:ext>
+            </a:extLst>
+          </p:cNvPr>
+          <p:cNvPicPr>
+            <a:picLocks noChangeAspect="1"/>
+          </p:cNvPicPr>
+          <p:nvPr/>
+        </p:nvPicPr>
+        <p:blipFill>
+          <a:blip r:embed="rId2" cstate="print">
+            <a:extLst>
+              <a:ext uri="{28A0092B-C50C-407E-A947-70E740481C1C}">
+                <a14:useLocalDpi xmlns:a14="http://schemas.microsoft.com/office/drawing/2010/main" val="0"/>
+              </a:ext>
+            </a:extLst>
+          </a:blip>
+          <a:stretch>
+            <a:fillRect/>
+          </a:stretch>
+        </p:blipFill>
+        <p:spPr>
+          <a:xfrm>
+            <a:off x="74813" y="2123641"/>
+            <a:ext cx="6201295" cy="3402993"/>
+          </a:xfrm>
+          <a:prstGeom prst="rect">
+            <a:avLst/>
+          </a:prstGeom>
+        </p:spPr>
+      </p:pic>
     </p:spTree>
     <p:extLst>
       <p:ext uri="{BB962C8B-B14F-4D97-AF65-F5344CB8AC3E}">
@@ -7678,25 +8953,10 @@
   <p:clrMapOvr>
     <a:masterClrMapping/>
   </p:clrMapOvr>
-  <mc:AlternateContent xmlns:mc="http://schemas.openxmlformats.org/markup-compatibility/2006" xmlns:p14="http://schemas.microsoft.com/office/powerpoint/2010/main">
-    <mc:Choice Requires="p14">
-      <p:transition spd="slow" p14:dur="2000"/>
-    </mc:Choice>
-    <mc:Fallback xmlns="">
-      <p:transition spd="slow"/>
-    </mc:Fallback>
-  </mc:AlternateContent>
-  <p:timing>
-    <p:tnLst>
-      <p:par>
-        <p:cTn id="1" dur="indefinite" restart="never" nodeType="tmRoot"/>
-      </p:par>
-    </p:tnLst>
-  </p:timing>
 </p:sld>
 </file>
 
-<file path=ppt/slides/slide12.xml><?xml version="1.0" encoding="utf-8"?>
+<file path=ppt/slides/slide15.xml><?xml version="1.0" encoding="utf-8"?>
 <p:sld xmlns:a="http://schemas.openxmlformats.org/drawingml/2006/main" xmlns:r="http://schemas.openxmlformats.org/officeDocument/2006/relationships" xmlns:p="http://schemas.openxmlformats.org/presentationml/2006/main">
   <p:cSld>
     <p:spTree>
@@ -7731,11 +8991,11 @@
           <a:lstStyle/>
           <a:p>
             <a:r>
-              <a:rPr lang="en-US" altLang="zh-CN" dirty="0" smtClean="0"/>
+              <a:rPr lang="en-US" altLang="zh-CN" dirty="0"/>
               <a:t>CI</a:t>
             </a:r>
             <a:r>
-              <a:rPr lang="zh-CN" altLang="en-US" dirty="0" smtClean="0"/>
+              <a:rPr lang="zh-CN" altLang="en-US" dirty="0"/>
               <a:t>：</a:t>
             </a:r>
             <a:r>
@@ -7761,13 +9021,73 @@
           <a:lstStyle/>
           <a:p>
             <a:r>
-              <a:rPr lang="en-US" altLang="zh-CN" dirty="0" smtClean="0"/>
+              <a:rPr lang="en-US" altLang="zh-CN" dirty="0"/>
               <a:t>Implementation</a:t>
             </a:r>
             <a:endParaRPr lang="zh-CN" altLang="en-US" dirty="0"/>
           </a:p>
         </p:txBody>
       </p:sp>
+      <p:pic>
+        <p:nvPicPr>
+          <p:cNvPr id="2" name="图片 1">
+            <a:extLst>
+              <a:ext uri="{FF2B5EF4-FFF2-40B4-BE49-F238E27FC236}">
+                <a16:creationId xmlns:a16="http://schemas.microsoft.com/office/drawing/2014/main" id="{2DF8B2B2-2402-4964-B5C2-0C1B57B4CD1B}"/>
+              </a:ext>
+            </a:extLst>
+          </p:cNvPr>
+          <p:cNvPicPr>
+            <a:picLocks noChangeAspect="1"/>
+          </p:cNvPicPr>
+          <p:nvPr/>
+        </p:nvPicPr>
+        <p:blipFill>
+          <a:blip r:embed="rId2"/>
+          <a:stretch>
+            <a:fillRect/>
+          </a:stretch>
+        </p:blipFill>
+        <p:spPr>
+          <a:xfrm>
+            <a:off x="2244436" y="1548460"/>
+            <a:ext cx="6311385" cy="2548764"/>
+          </a:xfrm>
+          <a:prstGeom prst="rect">
+            <a:avLst/>
+          </a:prstGeom>
+        </p:spPr>
+      </p:pic>
+      <p:pic>
+        <p:nvPicPr>
+          <p:cNvPr id="4" name="图片 3">
+            <a:extLst>
+              <a:ext uri="{FF2B5EF4-FFF2-40B4-BE49-F238E27FC236}">
+                <a16:creationId xmlns:a16="http://schemas.microsoft.com/office/drawing/2014/main" id="{B9B85A8D-9A7D-40B9-83E7-811B84C96373}"/>
+              </a:ext>
+            </a:extLst>
+          </p:cNvPr>
+          <p:cNvPicPr>
+            <a:picLocks noChangeAspect="1"/>
+          </p:cNvPicPr>
+          <p:nvPr/>
+        </p:nvPicPr>
+        <p:blipFill>
+          <a:blip r:embed="rId3"/>
+          <a:stretch>
+            <a:fillRect/>
+          </a:stretch>
+        </p:blipFill>
+        <p:spPr>
+          <a:xfrm>
+            <a:off x="277812" y="3727178"/>
+            <a:ext cx="5212080" cy="2890287"/>
+          </a:xfrm>
+          <a:prstGeom prst="rect">
+            <a:avLst/>
+          </a:prstGeom>
+        </p:spPr>
+      </p:pic>
     </p:spTree>
     <p:extLst>
       <p:ext uri="{BB962C8B-B14F-4D97-AF65-F5344CB8AC3E}">
@@ -7778,25 +9098,10 @@
   <p:clrMapOvr>
     <a:masterClrMapping/>
   </p:clrMapOvr>
-  <mc:AlternateContent xmlns:mc="http://schemas.openxmlformats.org/markup-compatibility/2006" xmlns:p14="http://schemas.microsoft.com/office/powerpoint/2010/main">
-    <mc:Choice Requires="p14">
-      <p:transition spd="slow" p14:dur="2000"/>
-    </mc:Choice>
-    <mc:Fallback xmlns="">
-      <p:transition spd="slow"/>
-    </mc:Fallback>
-  </mc:AlternateContent>
-  <p:timing>
-    <p:tnLst>
-      <p:par>
-        <p:cTn id="1" dur="indefinite" restart="never" nodeType="tmRoot"/>
-      </p:par>
-    </p:tnLst>
-  </p:timing>
 </p:sld>
 </file>
 
-<file path=ppt/slides/slide13.xml><?xml version="1.0" encoding="utf-8"?>
+<file path=ppt/slides/slide16.xml><?xml version="1.0" encoding="utf-8"?>
 <p:sld xmlns:a="http://schemas.openxmlformats.org/drawingml/2006/main" xmlns:r="http://schemas.openxmlformats.org/officeDocument/2006/relationships" xmlns:p="http://schemas.openxmlformats.org/presentationml/2006/main">
   <p:cSld>
     <p:spTree>
@@ -7831,21 +9136,21 @@
           <a:lstStyle/>
           <a:p>
             <a:r>
-              <a:rPr lang="en-US" altLang="zh-CN" dirty="0" smtClean="0"/>
+              <a:rPr lang="en-US" altLang="zh-CN" dirty="0"/>
               <a:t>Kubernetes</a:t>
             </a:r>
           </a:p>
           <a:p>
             <a:pPr lvl="1"/>
             <a:r>
-              <a:rPr lang="en-US" altLang="zh-CN" dirty="0" smtClean="0"/>
+              <a:rPr lang="en-US" altLang="zh-CN" dirty="0"/>
               <a:t>Based on </a:t>
             </a:r>
             <a:r>
-              <a:rPr lang="en-US" altLang="zh-CN" dirty="0" err="1" smtClean="0"/>
+              <a:rPr lang="en-US" altLang="zh-CN" dirty="0" err="1"/>
               <a:t>openstack</a:t>
             </a:r>
-            <a:endParaRPr lang="en-US" altLang="zh-CN" dirty="0" smtClean="0"/>
+            <a:endParaRPr lang="en-US" altLang="zh-CN" dirty="0"/>
           </a:p>
           <a:p>
             <a:pPr lvl="1"/>
@@ -7853,7 +9158,7 @@
           </a:p>
           <a:p>
             <a:pPr lvl="1"/>
-            <a:endParaRPr lang="en-US" altLang="zh-CN" dirty="0" smtClean="0"/>
+            <a:endParaRPr lang="en-US" altLang="zh-CN" dirty="0"/>
           </a:p>
           <a:p>
             <a:pPr lvl="1"/>
@@ -7865,7 +9170,6 @@
               <a:rPr lang="en-US" altLang="zh-CN" dirty="0"/>
               <a:t> </a:t>
             </a:r>
-            <a:endParaRPr lang="en-US" altLang="zh-CN" dirty="0" smtClean="0"/>
           </a:p>
           <a:p>
             <a:pPr lvl="1"/>
@@ -7873,16 +9177,16 @@
           </a:p>
           <a:p>
             <a:pPr lvl="1"/>
-            <a:endParaRPr lang="en-US" altLang="zh-CN" dirty="0" smtClean="0"/>
+            <a:endParaRPr lang="en-US" altLang="zh-CN" dirty="0"/>
           </a:p>
           <a:p>
             <a:pPr lvl="1"/>
-            <a:endParaRPr lang="en-US" altLang="zh-CN" dirty="0" smtClean="0"/>
+            <a:endParaRPr lang="en-US" altLang="zh-CN" dirty="0"/>
           </a:p>
           <a:p>
             <a:pPr lvl="1"/>
             <a:r>
-              <a:rPr lang="en-US" altLang="zh-CN" dirty="0" smtClean="0"/>
+              <a:rPr lang="en-US" altLang="zh-CN" dirty="0"/>
               <a:t>Feature: Load Balance</a:t>
             </a:r>
           </a:p>
@@ -7904,7 +9208,7 @@
           <a:lstStyle/>
           <a:p>
             <a:r>
-              <a:rPr lang="en-US" altLang="zh-CN" dirty="0" smtClean="0"/>
+              <a:rPr lang="en-US" altLang="zh-CN" dirty="0"/>
               <a:t>Implementation</a:t>
             </a:r>
             <a:endParaRPr lang="zh-CN" altLang="en-US" dirty="0"/>
@@ -7920,7 +9224,7 @@
           <p:nvPr/>
         </p:nvPicPr>
         <p:blipFill>
-          <a:blip r:embed="rId2">
+          <a:blip r:embed="rId2" cstate="print">
             <a:extLst>
               <a:ext uri="{28A0092B-C50C-407E-A947-70E740481C1C}">
                 <a14:useLocalDpi xmlns:a14="http://schemas.microsoft.com/office/drawing/2010/main" val="0"/>
@@ -8055,25 +9359,10 @@
   <p:clrMapOvr>
     <a:masterClrMapping/>
   </p:clrMapOvr>
-  <mc:AlternateContent xmlns:mc="http://schemas.openxmlformats.org/markup-compatibility/2006" xmlns:p14="http://schemas.microsoft.com/office/powerpoint/2010/main">
-    <mc:Choice Requires="p14">
-      <p:transition spd="slow" p14:dur="2000"/>
-    </mc:Choice>
-    <mc:Fallback xmlns="">
-      <p:transition spd="slow"/>
-    </mc:Fallback>
-  </mc:AlternateContent>
-  <p:timing>
-    <p:tnLst>
-      <p:par>
-        <p:cTn id="1" dur="indefinite" restart="never" nodeType="tmRoot"/>
-      </p:par>
-    </p:tnLst>
-  </p:timing>
 </p:sld>
 </file>
 
-<file path=ppt/slides/slide14.xml><?xml version="1.0" encoding="utf-8"?>
+<file path=ppt/slides/slide17.xml><?xml version="1.0" encoding="utf-8"?>
 <p:sld xmlns:a="http://schemas.openxmlformats.org/drawingml/2006/main" xmlns:r="http://schemas.openxmlformats.org/officeDocument/2006/relationships" xmlns:p="http://schemas.openxmlformats.org/presentationml/2006/main">
   <p:cSld>
     <p:spTree>
@@ -8092,30 +9381,6 @@
       </p:grpSpPr>
       <p:sp>
         <p:nvSpPr>
-          <p:cNvPr id="5" name="内容占位符 4"/>
-          <p:cNvSpPr>
-            <a:spLocks noGrp="1"/>
-          </p:cNvSpPr>
-          <p:nvPr>
-            <p:ph sz="quarter" idx="10"/>
-          </p:nvPr>
-        </p:nvSpPr>
-        <p:spPr/>
-        <p:txBody>
-          <a:bodyPr>
-            <a:normAutofit/>
-          </a:bodyPr>
-          <a:lstStyle/>
-          <a:p>
-            <a:r>
-              <a:rPr lang="en-US" altLang="zh-CN" dirty="0" smtClean="0"/>
-              <a:t>Monitor</a:t>
-            </a:r>
-          </a:p>
-        </p:txBody>
-      </p:sp>
-      <p:sp>
-        <p:nvSpPr>
           <p:cNvPr id="3" name="标题 2"/>
           <p:cNvSpPr>
             <a:spLocks noGrp="1"/>
@@ -8130,42 +9395,29 @@
           <a:lstStyle/>
           <a:p>
             <a:r>
-              <a:rPr lang="en-US" altLang="zh-CN" dirty="0" smtClean="0"/>
-              <a:t>Implementation</a:t>
-            </a:r>
-            <a:endParaRPr lang="zh-CN" altLang="en-US" dirty="0"/>
+              <a:rPr lang="zh-CN" altLang="en-US" dirty="0">
+                <a:latin typeface="+mn-ea"/>
+                <a:ea typeface="+mn-ea"/>
+              </a:rPr>
+              <a:t>谢谢！</a:t>
+            </a:r>
           </a:p>
         </p:txBody>
       </p:sp>
     </p:spTree>
     <p:extLst>
       <p:ext uri="{BB962C8B-B14F-4D97-AF65-F5344CB8AC3E}">
-        <p14:creationId xmlns:p14="http://schemas.microsoft.com/office/powerpoint/2010/main" val="451349265"/>
+        <p14:creationId xmlns:p14="http://schemas.microsoft.com/office/powerpoint/2010/main" val="1362973645"/>
       </p:ext>
     </p:extLst>
   </p:cSld>
   <p:clrMapOvr>
     <a:masterClrMapping/>
   </p:clrMapOvr>
-  <mc:AlternateContent xmlns:mc="http://schemas.openxmlformats.org/markup-compatibility/2006" xmlns:p14="http://schemas.microsoft.com/office/powerpoint/2010/main">
-    <mc:Choice Requires="p14">
-      <p:transition spd="slow" p14:dur="2000"/>
-    </mc:Choice>
-    <mc:Fallback xmlns="">
-      <p:transition spd="slow"/>
-    </mc:Fallback>
-  </mc:AlternateContent>
-  <p:timing>
-    <p:tnLst>
-      <p:par>
-        <p:cTn id="1" dur="indefinite" restart="never" nodeType="tmRoot"/>
-      </p:par>
-    </p:tnLst>
-  </p:timing>
 </p:sld>
 </file>
 
-<file path=ppt/slides/slide15.xml><?xml version="1.0" encoding="utf-8"?>
+<file path=ppt/slides/slide2.xml><?xml version="1.0" encoding="utf-8"?>
 <p:sld xmlns:a="http://schemas.openxmlformats.org/drawingml/2006/main" xmlns:r="http://schemas.openxmlformats.org/officeDocument/2006/relationships" xmlns:p="http://schemas.openxmlformats.org/presentationml/2006/main">
   <p:cSld>
     <p:spTree>
@@ -8184,6 +9436,140 @@
       </p:grpSpPr>
       <p:sp>
         <p:nvSpPr>
+          <p:cNvPr id="5" name="内容占位符 4"/>
+          <p:cNvSpPr>
+            <a:spLocks noGrp="1"/>
+          </p:cNvSpPr>
+          <p:nvPr>
+            <p:ph sz="quarter" idx="10"/>
+          </p:nvPr>
+        </p:nvSpPr>
+        <p:spPr/>
+        <p:txBody>
+          <a:bodyPr>
+            <a:normAutofit/>
+          </a:bodyPr>
+          <a:lstStyle/>
+          <a:p>
+            <a:r>
+              <a:rPr lang="en-US" altLang="zh-CN" sz="2000" dirty="0"/>
+              <a:t>Git Repo</a:t>
+            </a:r>
+            <a:endParaRPr lang="en-US" altLang="zh-CN" dirty="0"/>
+          </a:p>
+          <a:p>
+            <a:pPr marL="0" indent="0">
+              <a:buNone/>
+            </a:pPr>
+            <a:r>
+              <a:rPr lang="en-US" altLang="zh-CN" sz="2000" dirty="0"/>
+              <a:t>   </a:t>
+            </a:r>
+            <a:r>
+              <a:rPr lang="en-US" altLang="zh-CN" dirty="0">
+                <a:solidFill>
+                  <a:srgbClr val="002060"/>
+                </a:solidFill>
+              </a:rPr>
+              <a:t>https://github.com/CH609583349/myRepo</a:t>
+            </a:r>
+            <a:endParaRPr lang="en-US" altLang="zh-CN" sz="2000" dirty="0">
+              <a:solidFill>
+                <a:srgbClr val="002060"/>
+              </a:solidFill>
+            </a:endParaRPr>
+          </a:p>
+          <a:p>
+            <a:pPr marL="0" indent="0">
+              <a:buNone/>
+            </a:pPr>
+            <a:endParaRPr lang="en-US" altLang="zh-CN" dirty="0"/>
+          </a:p>
+          <a:p>
+            <a:r>
+              <a:rPr lang="en-US" altLang="zh-CN" sz="2000" dirty="0"/>
+              <a:t>Team work:</a:t>
+            </a:r>
+            <a:endParaRPr lang="en-US" altLang="zh-CN" dirty="0"/>
+          </a:p>
+          <a:p>
+            <a:pPr marL="0" indent="0">
+              <a:buNone/>
+            </a:pPr>
+            <a:r>
+              <a:rPr lang="en-US" altLang="zh-CN" dirty="0"/>
+              <a:t>    </a:t>
+            </a:r>
+            <a:r>
+              <a:rPr lang="zh-CN" altLang="en-US" dirty="0"/>
+              <a:t>陈皓：负责推荐算法以及后台对接，</a:t>
+            </a:r>
+            <a:r>
+              <a:rPr lang="en-US" altLang="zh-CN" dirty="0" err="1"/>
+              <a:t>Jekins</a:t>
+            </a:r>
+            <a:r>
+              <a:rPr lang="en-US" altLang="zh-CN" dirty="0"/>
+              <a:t> CI</a:t>
+            </a:r>
+            <a:r>
+              <a:rPr lang="zh-CN" altLang="en-US" dirty="0"/>
+              <a:t>部署，</a:t>
+            </a:r>
+            <a:r>
+              <a:rPr lang="en-US" altLang="zh-CN" dirty="0"/>
+              <a:t>K8s</a:t>
+            </a:r>
+            <a:r>
+              <a:rPr lang="zh-CN" altLang="en-US" dirty="0"/>
+              <a:t>部署等</a:t>
+            </a:r>
+            <a:endParaRPr lang="en-US" altLang="zh-CN" dirty="0"/>
+          </a:p>
+          <a:p>
+            <a:pPr marL="0" indent="0">
+              <a:buNone/>
+            </a:pPr>
+            <a:r>
+              <a:rPr lang="en-US" altLang="zh-CN" sz="2000" dirty="0"/>
+              <a:t>    </a:t>
+            </a:r>
+            <a:r>
+              <a:rPr lang="zh-CN" altLang="en-US" sz="2000" dirty="0"/>
+              <a:t>李萍萍：问卷设计，</a:t>
+            </a:r>
+            <a:r>
+              <a:rPr lang="en-US" altLang="zh-CN" dirty="0"/>
+              <a:t>K</a:t>
+            </a:r>
+            <a:r>
+              <a:rPr lang="en-US" altLang="zh-CN" sz="2000" dirty="0"/>
+              <a:t>8s</a:t>
+            </a:r>
+            <a:r>
+              <a:rPr lang="zh-CN" altLang="en-US" sz="2000" dirty="0"/>
+              <a:t>部署，负载均衡，微服务</a:t>
+            </a:r>
+            <a:endParaRPr lang="en-US" altLang="zh-CN" sz="2000" dirty="0"/>
+          </a:p>
+          <a:p>
+            <a:pPr marL="0" indent="0">
+              <a:buNone/>
+            </a:pPr>
+            <a:r>
+              <a:rPr lang="en-US" altLang="zh-CN" dirty="0"/>
+              <a:t>    </a:t>
+            </a:r>
+            <a:r>
+              <a:rPr lang="zh-CN" altLang="en-US" dirty="0"/>
+              <a:t>尹君豪：前端后台代码实现，项目部署</a:t>
+            </a:r>
+            <a:endParaRPr lang="en-US" altLang="zh-CN" sz="2000" dirty="0"/>
+          </a:p>
+        </p:txBody>
+      </p:sp>
+      <p:sp>
+        <p:nvSpPr>
           <p:cNvPr id="3" name="标题 2"/>
           <p:cNvSpPr>
             <a:spLocks noGrp="1"/>
@@ -8194,52 +9580,33 @@
         </p:nvSpPr>
         <p:spPr/>
         <p:txBody>
-          <a:bodyPr/>
+          <a:bodyPr>
+            <a:normAutofit/>
+          </a:bodyPr>
           <a:lstStyle/>
           <a:p>
             <a:r>
-              <a:rPr lang="zh-CN" altLang="en-US" dirty="0" smtClean="0">
-                <a:latin typeface="+mn-ea"/>
-                <a:ea typeface="+mn-ea"/>
-              </a:rPr>
-              <a:t>谢谢！</a:t>
-            </a:r>
-            <a:endParaRPr lang="zh-CN" altLang="en-US" dirty="0">
-              <a:latin typeface="+mn-ea"/>
-              <a:ea typeface="+mn-ea"/>
-            </a:endParaRPr>
+              <a:rPr lang="en-US" altLang="zh-CN" dirty="0" err="1"/>
+              <a:t>TeamWork</a:t>
+            </a:r>
+            <a:endParaRPr lang="zh-CN" altLang="en-US" dirty="0"/>
           </a:p>
         </p:txBody>
       </p:sp>
     </p:spTree>
     <p:extLst>
       <p:ext uri="{BB962C8B-B14F-4D97-AF65-F5344CB8AC3E}">
-        <p14:creationId xmlns:p14="http://schemas.microsoft.com/office/powerpoint/2010/main" val="1362973645"/>
+        <p14:creationId xmlns:p14="http://schemas.microsoft.com/office/powerpoint/2010/main" val="1859128603"/>
       </p:ext>
     </p:extLst>
   </p:cSld>
   <p:clrMapOvr>
     <a:masterClrMapping/>
   </p:clrMapOvr>
-  <mc:AlternateContent xmlns:mc="http://schemas.openxmlformats.org/markup-compatibility/2006" xmlns:p14="http://schemas.microsoft.com/office/powerpoint/2010/main">
-    <mc:Choice Requires="p14">
-      <p:transition spd="slow" p14:dur="2000"/>
-    </mc:Choice>
-    <mc:Fallback xmlns="">
-      <p:transition spd="slow"/>
-    </mc:Fallback>
-  </mc:AlternateContent>
-  <p:timing>
-    <p:tnLst>
-      <p:par>
-        <p:cTn id="1" dur="indefinite" restart="never" nodeType="tmRoot"/>
-      </p:par>
-    </p:tnLst>
-  </p:timing>
 </p:sld>
 </file>
 
-<file path=ppt/slides/slide2.xml><?xml version="1.0" encoding="utf-8"?>
+<file path=ppt/slides/slide3.xml><?xml version="1.0" encoding="utf-8"?>
 <p:sld xmlns:a="http://schemas.openxmlformats.org/drawingml/2006/main" xmlns:r="http://schemas.openxmlformats.org/officeDocument/2006/relationships" xmlns:p="http://schemas.openxmlformats.org/presentationml/2006/main">
   <p:cSld>
     <p:spTree>
@@ -8468,7 +9835,7 @@
             <a:p>
               <a:pPr algn="ctr"/>
               <a:r>
-                <a:rPr lang="en-US" altLang="zh-CN" b="1" dirty="0" smtClean="0">
+                <a:rPr lang="en-US" altLang="zh-CN" b="1" dirty="0">
                   <a:solidFill>
                     <a:schemeClr val="bg1"/>
                   </a:solidFill>
@@ -8548,7 +9915,7 @@
           <a:lstStyle/>
           <a:p>
             <a:r>
-              <a:rPr lang="en-US" altLang="zh-CN" sz="2400" dirty="0" smtClean="0"/>
+              <a:rPr lang="en-US" altLang="zh-CN" sz="2400" dirty="0"/>
               <a:t>Requirement</a:t>
             </a:r>
             <a:endParaRPr lang="zh-CN" altLang="en-US" sz="2400" dirty="0"/>
@@ -8729,7 +10096,7 @@
             <a:p>
               <a:pPr algn="ctr"/>
               <a:r>
-                <a:rPr lang="en-US" altLang="zh-CN" b="1" dirty="0" smtClean="0">
+                <a:rPr lang="en-US" altLang="zh-CN" b="1" dirty="0">
                   <a:solidFill>
                     <a:schemeClr val="bg1"/>
                   </a:solidFill>
@@ -8828,17 +10195,10 @@
   <p:transition spd="slow">
     <p:push/>
   </p:transition>
-  <p:timing>
-    <p:tnLst>
-      <p:par>
-        <p:cTn id="1" dur="indefinite" restart="never" nodeType="tmRoot"/>
-      </p:par>
-    </p:tnLst>
-  </p:timing>
 </p:sld>
 </file>
 
-<file path=ppt/slides/slide3.xml><?xml version="1.0" encoding="utf-8"?>
+<file path=ppt/slides/slide4.xml><?xml version="1.0" encoding="utf-8"?>
 <p:sld xmlns:a="http://schemas.openxmlformats.org/drawingml/2006/main" xmlns:r="http://schemas.openxmlformats.org/officeDocument/2006/relationships" xmlns:p="http://schemas.openxmlformats.org/presentationml/2006/main">
   <p:cSld>
     <p:spTree>
@@ -9053,7 +10413,7 @@
           <a:p>
             <a:pPr algn="ctr"/>
             <a:r>
-              <a:rPr lang="en-US" altLang="zh-CN" b="1" dirty="0" smtClean="0">
+              <a:rPr lang="en-US" altLang="zh-CN" b="1" dirty="0">
                 <a:solidFill>
                   <a:schemeClr val="bg1"/>
                 </a:solidFill>
@@ -9299,7 +10659,7 @@
           <a:p>
             <a:pPr algn="ctr"/>
             <a:r>
-              <a:rPr lang="en-US" altLang="zh-CN" b="1" dirty="0" smtClean="0">
+              <a:rPr lang="en-US" altLang="zh-CN" b="1" dirty="0">
                 <a:solidFill>
                   <a:schemeClr val="bg1"/>
                 </a:solidFill>
@@ -9409,118 +10769,6 @@
       <p:transition/>
     </mc:Fallback>
   </mc:AlternateContent>
-  <p:timing>
-    <p:tnLst>
-      <p:par>
-        <p:cTn id="1" dur="indefinite" restart="never" nodeType="tmRoot"/>
-      </p:par>
-    </p:tnLst>
-  </p:timing>
-</p:sld>
-</file>
-
-<file path=ppt/slides/slide4.xml><?xml version="1.0" encoding="utf-8"?>
-<p:sld xmlns:a="http://schemas.openxmlformats.org/drawingml/2006/main" xmlns:r="http://schemas.openxmlformats.org/officeDocument/2006/relationships" xmlns:p="http://schemas.openxmlformats.org/presentationml/2006/main">
-  <p:cSld>
-    <p:spTree>
-      <p:nvGrpSpPr>
-        <p:cNvPr id="1" name=""/>
-        <p:cNvGrpSpPr/>
-        <p:nvPr/>
-      </p:nvGrpSpPr>
-      <p:grpSpPr>
-        <a:xfrm>
-          <a:off x="0" y="0"/>
-          <a:ext cx="0" cy="0"/>
-          <a:chOff x="0" y="0"/>
-          <a:chExt cx="0" cy="0"/>
-        </a:xfrm>
-      </p:grpSpPr>
-      <p:sp>
-        <p:nvSpPr>
-          <p:cNvPr id="5" name="内容占位符 4"/>
-          <p:cNvSpPr>
-            <a:spLocks noGrp="1"/>
-          </p:cNvSpPr>
-          <p:nvPr>
-            <p:ph sz="quarter" idx="10"/>
-          </p:nvPr>
-        </p:nvSpPr>
-        <p:spPr/>
-        <p:txBody>
-          <a:bodyPr>
-            <a:normAutofit/>
-          </a:bodyPr>
-          <a:lstStyle/>
-          <a:p>
-            <a:r>
-              <a:rPr lang="en-US" altLang="zh-CN" dirty="0" smtClean="0"/>
-              <a:t>Hypothesis</a:t>
-            </a:r>
-          </a:p>
-          <a:p>
-            <a:pPr lvl="1"/>
-            <a:r>
-              <a:rPr lang="zh-CN" altLang="en-US" dirty="0">
-                <a:solidFill>
-                  <a:srgbClr val="24292E"/>
-                </a:solidFill>
-                <a:latin typeface="-apple-system" charset="0"/>
-              </a:rPr>
-              <a:t>每当人们走进图书馆时，面对海量的图书信息，可能会有选择的困难。有时候，一些人可能只是想读一读有意义的书籍，增长见识，然而对于具体读哪些书，可能没有确定的目标。并且，图书馆的书种类丰富，如何快速定位自己感兴趣的书籍是一个较为艰难的过程。</a:t>
-            </a:r>
-            <a:endParaRPr lang="en-US" altLang="zh-CN" dirty="0" smtClean="0"/>
-          </a:p>
-        </p:txBody>
-      </p:sp>
-      <p:sp>
-        <p:nvSpPr>
-          <p:cNvPr id="3" name="标题 2"/>
-          <p:cNvSpPr>
-            <a:spLocks noGrp="1"/>
-          </p:cNvSpPr>
-          <p:nvPr>
-            <p:ph type="title"/>
-          </p:nvPr>
-        </p:nvSpPr>
-        <p:spPr/>
-        <p:txBody>
-          <a:bodyPr/>
-          <a:lstStyle/>
-          <a:p>
-            <a:r>
-              <a:rPr lang="en-US" altLang="zh-CN" dirty="0"/>
-              <a:t>Requirement</a:t>
-            </a:r>
-            <a:endParaRPr lang="zh-CN" altLang="en-US" dirty="0"/>
-          </a:p>
-        </p:txBody>
-      </p:sp>
-    </p:spTree>
-    <p:extLst>
-      <p:ext uri="{BB962C8B-B14F-4D97-AF65-F5344CB8AC3E}">
-        <p14:creationId xmlns:p14="http://schemas.microsoft.com/office/powerpoint/2010/main" val="1753666233"/>
-      </p:ext>
-    </p:extLst>
-  </p:cSld>
-  <p:clrMapOvr>
-    <a:masterClrMapping/>
-  </p:clrMapOvr>
-  <mc:AlternateContent xmlns:mc="http://schemas.openxmlformats.org/markup-compatibility/2006" xmlns:p14="http://schemas.microsoft.com/office/powerpoint/2010/main">
-    <mc:Choice Requires="p14">
-      <p:transition spd="slow" p14:dur="2000"/>
-    </mc:Choice>
-    <mc:Fallback xmlns="">
-      <p:transition spd="slow"/>
-    </mc:Fallback>
-  </mc:AlternateContent>
-  <p:timing>
-    <p:tnLst>
-      <p:par>
-        <p:cTn id="1" dur="indefinite" restart="never" nodeType="tmRoot"/>
-      </p:par>
-    </p:tnLst>
-  </p:timing>
 </p:sld>
 </file>
 
@@ -9559,16 +10807,22 @@
           <a:lstStyle/>
           <a:p>
             <a:r>
-              <a:rPr lang="en-US" altLang="zh-CN" dirty="0" smtClean="0"/>
-              <a:t>Customer Validation</a:t>
+              <a:rPr lang="en-US" altLang="zh-CN" dirty="0"/>
+              <a:t>Hypothesis</a:t>
             </a:r>
           </a:p>
           <a:p>
             <a:pPr lvl="1"/>
             <a:r>
-              <a:rPr lang="en-US" altLang="zh-CN" dirty="0" smtClean="0"/>
-              <a:t>First round</a:t>
-            </a:r>
+              <a:rPr lang="zh-CN" altLang="en-US" dirty="0">
+                <a:solidFill>
+                  <a:srgbClr val="24292E"/>
+                </a:solidFill>
+                <a:latin typeface="-apple-system" charset="0"/>
+              </a:rPr>
+              <a:t>每当人们走进图书馆时，面对海量的图书信息，可能会有选择的困难。有时候，一些人可能只是想读一读有意义的书籍，增长见识，然而对于具体读哪些书，可能没有确定的目标。并且，图书馆的书种类丰富，如何快速定位自己感兴趣的书籍是一个较为艰难的过程。</a:t>
+            </a:r>
+            <a:endParaRPr lang="en-US" altLang="zh-CN" dirty="0"/>
           </a:p>
         </p:txBody>
       </p:sp>
@@ -9595,151 +10849,16 @@
           </a:p>
         </p:txBody>
       </p:sp>
-      <p:pic>
-        <p:nvPicPr>
-          <p:cNvPr id="2" name="图片 1"/>
-          <p:cNvPicPr>
-            <a:picLocks noChangeAspect="1"/>
-          </p:cNvPicPr>
-          <p:nvPr/>
-        </p:nvPicPr>
-        <p:blipFill>
-          <a:blip r:embed="rId2">
-            <a:extLst>
-              <a:ext uri="{28A0092B-C50C-407E-A947-70E740481C1C}">
-                <a14:useLocalDpi xmlns:a14="http://schemas.microsoft.com/office/drawing/2010/main" val="0"/>
-              </a:ext>
-            </a:extLst>
-          </a:blip>
-          <a:stretch>
-            <a:fillRect/>
-          </a:stretch>
-        </p:blipFill>
-        <p:spPr>
-          <a:xfrm>
-            <a:off x="4172890" y="4539046"/>
-            <a:ext cx="3741399" cy="1970109"/>
-          </a:xfrm>
-          <a:prstGeom prst="rect">
-            <a:avLst/>
-          </a:prstGeom>
-        </p:spPr>
-      </p:pic>
-      <p:pic>
-        <p:nvPicPr>
-          <p:cNvPr id="4" name="图片 3"/>
-          <p:cNvPicPr>
-            <a:picLocks noChangeAspect="1"/>
-          </p:cNvPicPr>
-          <p:nvPr/>
-        </p:nvPicPr>
-        <p:blipFill>
-          <a:blip r:embed="rId3">
-            <a:extLst>
-              <a:ext uri="{28A0092B-C50C-407E-A947-70E740481C1C}">
-                <a14:useLocalDpi xmlns:a14="http://schemas.microsoft.com/office/drawing/2010/main" val="0"/>
-              </a:ext>
-            </a:extLst>
-          </a:blip>
-          <a:stretch>
-            <a:fillRect/>
-          </a:stretch>
-        </p:blipFill>
-        <p:spPr>
-          <a:xfrm>
-            <a:off x="582381" y="4539046"/>
-            <a:ext cx="3294165" cy="1940960"/>
-          </a:xfrm>
-          <a:prstGeom prst="rect">
-            <a:avLst/>
-          </a:prstGeom>
-        </p:spPr>
-      </p:pic>
-      <p:pic>
-        <p:nvPicPr>
-          <p:cNvPr id="6" name="图片 5"/>
-          <p:cNvPicPr>
-            <a:picLocks noChangeAspect="1"/>
-          </p:cNvPicPr>
-          <p:nvPr/>
-        </p:nvPicPr>
-        <p:blipFill>
-          <a:blip r:embed="rId4">
-            <a:extLst>
-              <a:ext uri="{28A0092B-C50C-407E-A947-70E740481C1C}">
-                <a14:useLocalDpi xmlns:a14="http://schemas.microsoft.com/office/drawing/2010/main" val="0"/>
-              </a:ext>
-            </a:extLst>
-          </a:blip>
-          <a:stretch>
-            <a:fillRect/>
-          </a:stretch>
-        </p:blipFill>
-        <p:spPr>
-          <a:xfrm>
-            <a:off x="4172891" y="2494839"/>
-            <a:ext cx="3253563" cy="1917037"/>
-          </a:xfrm>
-          <a:prstGeom prst="rect">
-            <a:avLst/>
-          </a:prstGeom>
-        </p:spPr>
-      </p:pic>
-      <p:pic>
-        <p:nvPicPr>
-          <p:cNvPr id="7" name="图片 6"/>
-          <p:cNvPicPr>
-            <a:picLocks noChangeAspect="1"/>
-          </p:cNvPicPr>
-          <p:nvPr/>
-        </p:nvPicPr>
-        <p:blipFill>
-          <a:blip r:embed="rId5">
-            <a:extLst>
-              <a:ext uri="{28A0092B-C50C-407E-A947-70E740481C1C}">
-                <a14:useLocalDpi xmlns:a14="http://schemas.microsoft.com/office/drawing/2010/main" val="0"/>
-              </a:ext>
-            </a:extLst>
-          </a:blip>
-          <a:stretch>
-            <a:fillRect/>
-          </a:stretch>
-        </p:blipFill>
-        <p:spPr>
-          <a:xfrm>
-            <a:off x="622983" y="2494839"/>
-            <a:ext cx="3253563" cy="1917037"/>
-          </a:xfrm>
-          <a:prstGeom prst="rect">
-            <a:avLst/>
-          </a:prstGeom>
-        </p:spPr>
-      </p:pic>
     </p:spTree>
     <p:extLst>
       <p:ext uri="{BB962C8B-B14F-4D97-AF65-F5344CB8AC3E}">
-        <p14:creationId xmlns:p14="http://schemas.microsoft.com/office/powerpoint/2010/main" val="348243968"/>
+        <p14:creationId xmlns:p14="http://schemas.microsoft.com/office/powerpoint/2010/main" val="1753666233"/>
       </p:ext>
     </p:extLst>
   </p:cSld>
   <p:clrMapOvr>
     <a:masterClrMapping/>
   </p:clrMapOvr>
-  <mc:AlternateContent xmlns:mc="http://schemas.openxmlformats.org/markup-compatibility/2006" xmlns:p14="http://schemas.microsoft.com/office/powerpoint/2010/main">
-    <mc:Choice Requires="p14">
-      <p:transition spd="slow" p14:dur="2000"/>
-    </mc:Choice>
-    <mc:Fallback xmlns="">
-      <p:transition spd="slow"/>
-    </mc:Fallback>
-  </mc:AlternateContent>
-  <p:timing>
-    <p:tnLst>
-      <p:par>
-        <p:cTn id="1" dur="indefinite" restart="never" nodeType="tmRoot"/>
-      </p:par>
-    </p:tnLst>
-  </p:timing>
 </p:sld>
 </file>
 
@@ -9778,14 +10897,362 @@
           <a:lstStyle/>
           <a:p>
             <a:r>
-              <a:rPr lang="en-US" altLang="zh-CN" dirty="0" smtClean="0"/>
+              <a:rPr lang="en-US" altLang="zh-CN" dirty="0"/>
               <a:t>Customer Validation</a:t>
             </a:r>
           </a:p>
           <a:p>
             <a:pPr lvl="1"/>
             <a:r>
-              <a:rPr lang="en-US" altLang="zh-CN" dirty="0" smtClean="0"/>
+              <a:rPr lang="en-US" altLang="zh-CN" dirty="0"/>
+              <a:t>First round</a:t>
+            </a:r>
+          </a:p>
+        </p:txBody>
+      </p:sp>
+      <p:sp>
+        <p:nvSpPr>
+          <p:cNvPr id="3" name="标题 2"/>
+          <p:cNvSpPr>
+            <a:spLocks noGrp="1"/>
+          </p:cNvSpPr>
+          <p:nvPr>
+            <p:ph type="title"/>
+          </p:nvPr>
+        </p:nvSpPr>
+        <p:spPr/>
+        <p:txBody>
+          <a:bodyPr/>
+          <a:lstStyle/>
+          <a:p>
+            <a:r>
+              <a:rPr lang="en-US" altLang="zh-CN" dirty="0"/>
+              <a:t>Requirement</a:t>
+            </a:r>
+            <a:endParaRPr lang="zh-CN" altLang="en-US" dirty="0"/>
+          </a:p>
+        </p:txBody>
+      </p:sp>
+      <p:pic>
+        <p:nvPicPr>
+          <p:cNvPr id="8" name="图片 7">
+            <a:extLst>
+              <a:ext uri="{FF2B5EF4-FFF2-40B4-BE49-F238E27FC236}">
+                <a16:creationId xmlns:a16="http://schemas.microsoft.com/office/drawing/2014/main" id="{6EB87B26-8736-4A60-AE57-0A0CB57E4189}"/>
+              </a:ext>
+            </a:extLst>
+          </p:cNvPr>
+          <p:cNvPicPr>
+            <a:picLocks noChangeAspect="1"/>
+          </p:cNvPicPr>
+          <p:nvPr/>
+        </p:nvPicPr>
+        <p:blipFill>
+          <a:blip r:embed="rId2"/>
+          <a:stretch>
+            <a:fillRect/>
+          </a:stretch>
+        </p:blipFill>
+        <p:spPr>
+          <a:xfrm>
+            <a:off x="187210" y="2450869"/>
+            <a:ext cx="3819525" cy="2590800"/>
+          </a:xfrm>
+          <a:prstGeom prst="rect">
+            <a:avLst/>
+          </a:prstGeom>
+        </p:spPr>
+      </p:pic>
+      <p:pic>
+        <p:nvPicPr>
+          <p:cNvPr id="9" name="图片 8">
+            <a:extLst>
+              <a:ext uri="{FF2B5EF4-FFF2-40B4-BE49-F238E27FC236}">
+                <a16:creationId xmlns:a16="http://schemas.microsoft.com/office/drawing/2014/main" id="{9DA6384B-3D24-4A43-AD8A-87B914CE5CDD}"/>
+              </a:ext>
+            </a:extLst>
+          </p:cNvPr>
+          <p:cNvPicPr>
+            <a:picLocks noChangeAspect="1"/>
+          </p:cNvPicPr>
+          <p:nvPr/>
+        </p:nvPicPr>
+        <p:blipFill>
+          <a:blip r:embed="rId3"/>
+          <a:stretch>
+            <a:fillRect/>
+          </a:stretch>
+        </p:blipFill>
+        <p:spPr>
+          <a:xfrm>
+            <a:off x="4078131" y="2132065"/>
+            <a:ext cx="4467353" cy="4028723"/>
+          </a:xfrm>
+          <a:prstGeom prst="rect">
+            <a:avLst/>
+          </a:prstGeom>
+        </p:spPr>
+      </p:pic>
+    </p:spTree>
+    <p:extLst>
+      <p:ext uri="{BB962C8B-B14F-4D97-AF65-F5344CB8AC3E}">
+        <p14:creationId xmlns:p14="http://schemas.microsoft.com/office/powerpoint/2010/main" val="3123456185"/>
+      </p:ext>
+    </p:extLst>
+  </p:cSld>
+  <p:clrMapOvr>
+    <a:masterClrMapping/>
+  </p:clrMapOvr>
+</p:sld>
+</file>
+
+<file path=ppt/slides/slide7.xml><?xml version="1.0" encoding="utf-8"?>
+<p:sld xmlns:a="http://schemas.openxmlformats.org/drawingml/2006/main" xmlns:r="http://schemas.openxmlformats.org/officeDocument/2006/relationships" xmlns:p="http://schemas.openxmlformats.org/presentationml/2006/main">
+  <p:cSld>
+    <p:spTree>
+      <p:nvGrpSpPr>
+        <p:cNvPr id="1" name=""/>
+        <p:cNvGrpSpPr/>
+        <p:nvPr/>
+      </p:nvGrpSpPr>
+      <p:grpSpPr>
+        <a:xfrm>
+          <a:off x="0" y="0"/>
+          <a:ext cx="0" cy="0"/>
+          <a:chOff x="0" y="0"/>
+          <a:chExt cx="0" cy="0"/>
+        </a:xfrm>
+      </p:grpSpPr>
+      <p:sp>
+        <p:nvSpPr>
+          <p:cNvPr id="5" name="内容占位符 4"/>
+          <p:cNvSpPr>
+            <a:spLocks noGrp="1"/>
+          </p:cNvSpPr>
+          <p:nvPr>
+            <p:ph sz="quarter" idx="10"/>
+          </p:nvPr>
+        </p:nvSpPr>
+        <p:spPr/>
+        <p:txBody>
+          <a:bodyPr>
+            <a:normAutofit/>
+          </a:bodyPr>
+          <a:lstStyle/>
+          <a:p>
+            <a:r>
+              <a:rPr lang="en-US" altLang="zh-CN" dirty="0"/>
+              <a:t>Customer Validation</a:t>
+            </a:r>
+          </a:p>
+          <a:p>
+            <a:pPr lvl="1"/>
+            <a:r>
+              <a:rPr lang="en-US" altLang="zh-CN" dirty="0"/>
+              <a:t>First round</a:t>
+            </a:r>
+          </a:p>
+        </p:txBody>
+      </p:sp>
+      <p:sp>
+        <p:nvSpPr>
+          <p:cNvPr id="3" name="标题 2"/>
+          <p:cNvSpPr>
+            <a:spLocks noGrp="1"/>
+          </p:cNvSpPr>
+          <p:nvPr>
+            <p:ph type="title"/>
+          </p:nvPr>
+        </p:nvSpPr>
+        <p:spPr/>
+        <p:txBody>
+          <a:bodyPr/>
+          <a:lstStyle/>
+          <a:p>
+            <a:r>
+              <a:rPr lang="en-US" altLang="zh-CN" dirty="0"/>
+              <a:t>Requirement</a:t>
+            </a:r>
+            <a:endParaRPr lang="zh-CN" altLang="en-US" dirty="0"/>
+          </a:p>
+        </p:txBody>
+      </p:sp>
+      <p:pic>
+        <p:nvPicPr>
+          <p:cNvPr id="2" name="图片 1"/>
+          <p:cNvPicPr>
+            <a:picLocks noChangeAspect="1"/>
+          </p:cNvPicPr>
+          <p:nvPr/>
+        </p:nvPicPr>
+        <p:blipFill>
+          <a:blip r:embed="rId2" cstate="print">
+            <a:extLst>
+              <a:ext uri="{28A0092B-C50C-407E-A947-70E740481C1C}">
+                <a14:useLocalDpi xmlns:a14="http://schemas.microsoft.com/office/drawing/2010/main" val="0"/>
+              </a:ext>
+            </a:extLst>
+          </a:blip>
+          <a:stretch>
+            <a:fillRect/>
+          </a:stretch>
+        </p:blipFill>
+        <p:spPr>
+          <a:xfrm>
+            <a:off x="4172890" y="4539046"/>
+            <a:ext cx="3741399" cy="1970109"/>
+          </a:xfrm>
+          <a:prstGeom prst="rect">
+            <a:avLst/>
+          </a:prstGeom>
+        </p:spPr>
+      </p:pic>
+      <p:pic>
+        <p:nvPicPr>
+          <p:cNvPr id="4" name="图片 3"/>
+          <p:cNvPicPr>
+            <a:picLocks noChangeAspect="1"/>
+          </p:cNvPicPr>
+          <p:nvPr/>
+        </p:nvPicPr>
+        <p:blipFill>
+          <a:blip r:embed="rId3" cstate="print">
+            <a:extLst>
+              <a:ext uri="{28A0092B-C50C-407E-A947-70E740481C1C}">
+                <a14:useLocalDpi xmlns:a14="http://schemas.microsoft.com/office/drawing/2010/main" val="0"/>
+              </a:ext>
+            </a:extLst>
+          </a:blip>
+          <a:stretch>
+            <a:fillRect/>
+          </a:stretch>
+        </p:blipFill>
+        <p:spPr>
+          <a:xfrm>
+            <a:off x="582381" y="4539046"/>
+            <a:ext cx="3294165" cy="1940960"/>
+          </a:xfrm>
+          <a:prstGeom prst="rect">
+            <a:avLst/>
+          </a:prstGeom>
+        </p:spPr>
+      </p:pic>
+      <p:pic>
+        <p:nvPicPr>
+          <p:cNvPr id="6" name="图片 5"/>
+          <p:cNvPicPr>
+            <a:picLocks noChangeAspect="1"/>
+          </p:cNvPicPr>
+          <p:nvPr/>
+        </p:nvPicPr>
+        <p:blipFill>
+          <a:blip r:embed="rId4" cstate="print">
+            <a:extLst>
+              <a:ext uri="{28A0092B-C50C-407E-A947-70E740481C1C}">
+                <a14:useLocalDpi xmlns:a14="http://schemas.microsoft.com/office/drawing/2010/main" val="0"/>
+              </a:ext>
+            </a:extLst>
+          </a:blip>
+          <a:stretch>
+            <a:fillRect/>
+          </a:stretch>
+        </p:blipFill>
+        <p:spPr>
+          <a:xfrm>
+            <a:off x="4172891" y="2494839"/>
+            <a:ext cx="3253563" cy="1917037"/>
+          </a:xfrm>
+          <a:prstGeom prst="rect">
+            <a:avLst/>
+          </a:prstGeom>
+        </p:spPr>
+      </p:pic>
+      <p:pic>
+        <p:nvPicPr>
+          <p:cNvPr id="7" name="图片 6"/>
+          <p:cNvPicPr>
+            <a:picLocks noChangeAspect="1"/>
+          </p:cNvPicPr>
+          <p:nvPr/>
+        </p:nvPicPr>
+        <p:blipFill>
+          <a:blip r:embed="rId5" cstate="print">
+            <a:extLst>
+              <a:ext uri="{28A0092B-C50C-407E-A947-70E740481C1C}">
+                <a14:useLocalDpi xmlns:a14="http://schemas.microsoft.com/office/drawing/2010/main" val="0"/>
+              </a:ext>
+            </a:extLst>
+          </a:blip>
+          <a:stretch>
+            <a:fillRect/>
+          </a:stretch>
+        </p:blipFill>
+        <p:spPr>
+          <a:xfrm>
+            <a:off x="622983" y="2494839"/>
+            <a:ext cx="3253563" cy="1917037"/>
+          </a:xfrm>
+          <a:prstGeom prst="rect">
+            <a:avLst/>
+          </a:prstGeom>
+        </p:spPr>
+      </p:pic>
+    </p:spTree>
+    <p:extLst>
+      <p:ext uri="{BB962C8B-B14F-4D97-AF65-F5344CB8AC3E}">
+        <p14:creationId xmlns:p14="http://schemas.microsoft.com/office/powerpoint/2010/main" val="348243968"/>
+      </p:ext>
+    </p:extLst>
+  </p:cSld>
+  <p:clrMapOvr>
+    <a:masterClrMapping/>
+  </p:clrMapOvr>
+</p:sld>
+</file>
+
+<file path=ppt/slides/slide8.xml><?xml version="1.0" encoding="utf-8"?>
+<p:sld xmlns:a="http://schemas.openxmlformats.org/drawingml/2006/main" xmlns:r="http://schemas.openxmlformats.org/officeDocument/2006/relationships" xmlns:p="http://schemas.openxmlformats.org/presentationml/2006/main">
+  <p:cSld>
+    <p:spTree>
+      <p:nvGrpSpPr>
+        <p:cNvPr id="1" name=""/>
+        <p:cNvGrpSpPr/>
+        <p:nvPr/>
+      </p:nvGrpSpPr>
+      <p:grpSpPr>
+        <a:xfrm>
+          <a:off x="0" y="0"/>
+          <a:ext cx="0" cy="0"/>
+          <a:chOff x="0" y="0"/>
+          <a:chExt cx="0" cy="0"/>
+        </a:xfrm>
+      </p:grpSpPr>
+      <p:sp>
+        <p:nvSpPr>
+          <p:cNvPr id="5" name="内容占位符 4"/>
+          <p:cNvSpPr>
+            <a:spLocks noGrp="1"/>
+          </p:cNvSpPr>
+          <p:nvPr>
+            <p:ph sz="quarter" idx="10"/>
+          </p:nvPr>
+        </p:nvSpPr>
+        <p:spPr/>
+        <p:txBody>
+          <a:bodyPr>
+            <a:normAutofit/>
+          </a:bodyPr>
+          <a:lstStyle/>
+          <a:p>
+            <a:r>
+              <a:rPr lang="en-US" altLang="zh-CN" dirty="0"/>
+              <a:t>Customer Validation</a:t>
+            </a:r>
+          </a:p>
+          <a:p>
+            <a:pPr lvl="1"/>
+            <a:r>
+              <a:rPr lang="en-US" altLang="zh-CN" dirty="0"/>
               <a:t>Second round</a:t>
             </a:r>
           </a:p>
@@ -9836,8 +11303,38 @@
         </p:blipFill>
         <p:spPr>
           <a:xfrm>
-            <a:off x="494024" y="2588173"/>
+            <a:off x="494024" y="3235983"/>
             <a:ext cx="8430834" cy="3371193"/>
+          </a:xfrm>
+          <a:prstGeom prst="rect">
+            <a:avLst/>
+          </a:prstGeom>
+        </p:spPr>
+      </p:pic>
+      <p:pic>
+        <p:nvPicPr>
+          <p:cNvPr id="2" name="图片 1">
+            <a:extLst>
+              <a:ext uri="{FF2B5EF4-FFF2-40B4-BE49-F238E27FC236}">
+                <a16:creationId xmlns:a16="http://schemas.microsoft.com/office/drawing/2014/main" id="{5729528E-2409-4C8D-8B44-DFE989A02E4D}"/>
+              </a:ext>
+            </a:extLst>
+          </p:cNvPr>
+          <p:cNvPicPr>
+            <a:picLocks noChangeAspect="1"/>
+          </p:cNvPicPr>
+          <p:nvPr/>
+        </p:nvPicPr>
+        <p:blipFill>
+          <a:blip r:embed="rId3"/>
+          <a:stretch>
+            <a:fillRect/>
+          </a:stretch>
+        </p:blipFill>
+        <p:spPr>
+          <a:xfrm>
+            <a:off x="3095625" y="1898615"/>
+            <a:ext cx="6048375" cy="1200150"/>
           </a:xfrm>
           <a:prstGeom prst="rect">
             <a:avLst/>
@@ -9854,767 +11351,6 @@
   <p:clrMapOvr>
     <a:masterClrMapping/>
   </p:clrMapOvr>
-  <mc:AlternateContent xmlns:mc="http://schemas.openxmlformats.org/markup-compatibility/2006" xmlns:p14="http://schemas.microsoft.com/office/powerpoint/2010/main">
-    <mc:Choice Requires="p14">
-      <p:transition spd="slow" p14:dur="2000"/>
-    </mc:Choice>
-    <mc:Fallback xmlns="">
-      <p:transition spd="slow"/>
-    </mc:Fallback>
-  </mc:AlternateContent>
-  <p:timing>
-    <p:tnLst>
-      <p:par>
-        <p:cTn id="1" dur="indefinite" restart="never" nodeType="tmRoot"/>
-      </p:par>
-    </p:tnLst>
-  </p:timing>
-</p:sld>
-</file>
-
-<file path=ppt/slides/slide7.xml><?xml version="1.0" encoding="utf-8"?>
-<p:sld xmlns:a="http://schemas.openxmlformats.org/drawingml/2006/main" xmlns:r="http://schemas.openxmlformats.org/officeDocument/2006/relationships" xmlns:p="http://schemas.openxmlformats.org/presentationml/2006/main">
-  <p:cSld>
-    <p:spTree>
-      <p:nvGrpSpPr>
-        <p:cNvPr id="1" name=""/>
-        <p:cNvGrpSpPr/>
-        <p:nvPr/>
-      </p:nvGrpSpPr>
-      <p:grpSpPr>
-        <a:xfrm>
-          <a:off x="0" y="0"/>
-          <a:ext cx="0" cy="0"/>
-          <a:chOff x="0" y="0"/>
-          <a:chExt cx="0" cy="0"/>
-        </a:xfrm>
-      </p:grpSpPr>
-      <p:sp>
-        <p:nvSpPr>
-          <p:cNvPr id="5" name="内容占位符 4"/>
-          <p:cNvSpPr>
-            <a:spLocks noGrp="1"/>
-          </p:cNvSpPr>
-          <p:nvPr>
-            <p:ph sz="quarter" idx="10"/>
-          </p:nvPr>
-        </p:nvSpPr>
-        <p:spPr/>
-        <p:txBody>
-          <a:bodyPr>
-            <a:normAutofit/>
-          </a:bodyPr>
-          <a:lstStyle/>
-          <a:p>
-            <a:r>
-              <a:rPr lang="en-US" altLang="zh-CN" b="1" dirty="0"/>
-              <a:t>Scope of our </a:t>
-            </a:r>
-            <a:r>
-              <a:rPr lang="en-US" altLang="zh-CN" b="1" dirty="0" smtClean="0"/>
-              <a:t>product</a:t>
-            </a:r>
-            <a:endParaRPr lang="en-US" altLang="zh-CN" dirty="0" smtClean="0"/>
-          </a:p>
-          <a:p>
-            <a:pPr lvl="1"/>
-            <a:r>
-              <a:rPr lang="zh-CN" altLang="en-US" sz="2000" dirty="0" smtClean="0"/>
-              <a:t>面向</a:t>
-            </a:r>
-            <a:r>
-              <a:rPr lang="zh-CN" altLang="en-US" sz="2000" dirty="0"/>
-              <a:t>全体上海交通大学在校</a:t>
-            </a:r>
-            <a:r>
-              <a:rPr lang="zh-CN" altLang="en-US" sz="2000" dirty="0" smtClean="0"/>
-              <a:t>本科生</a:t>
-            </a:r>
-            <a:endParaRPr lang="en-US" altLang="zh-CN" sz="2000" dirty="0" smtClean="0"/>
-          </a:p>
-          <a:p>
-            <a:pPr lvl="1"/>
-            <a:r>
-              <a:rPr lang="zh-CN" altLang="en-US" sz="2000" dirty="0" smtClean="0"/>
-              <a:t>提供</a:t>
-            </a:r>
-            <a:r>
-              <a:rPr lang="zh-CN" altLang="en-US" sz="2000" dirty="0"/>
-              <a:t>精准的、合适的、个性化的图书借阅</a:t>
-            </a:r>
-            <a:r>
-              <a:rPr lang="zh-CN" altLang="en-US" sz="2000" dirty="0" smtClean="0"/>
-              <a:t>推荐</a:t>
-            </a:r>
-            <a:endParaRPr lang="en-US" altLang="zh-CN" sz="2000" dirty="0" smtClean="0"/>
-          </a:p>
-          <a:p>
-            <a:r>
-              <a:rPr lang="en-US" altLang="zh-CN" dirty="0" smtClean="0"/>
-              <a:t>Solution </a:t>
-            </a:r>
-          </a:p>
-          <a:p>
-            <a:pPr lvl="1"/>
-            <a:r>
-              <a:rPr lang="zh-CN" altLang="en-US" sz="2000" dirty="0" smtClean="0"/>
-              <a:t>实现</a:t>
-            </a:r>
-            <a:r>
-              <a:rPr lang="zh-CN" altLang="en-US" sz="2000" dirty="0"/>
-              <a:t>图书借阅</a:t>
-            </a:r>
-            <a:r>
-              <a:rPr lang="zh-CN" altLang="en-US" sz="2000" dirty="0" smtClean="0"/>
-              <a:t>推荐推荐</a:t>
-            </a:r>
-            <a:r>
-              <a:rPr lang="zh-CN" altLang="en-US" sz="2000" dirty="0"/>
-              <a:t>系统</a:t>
-            </a:r>
-            <a:r>
-              <a:rPr lang="en-US" altLang="zh-CN" sz="2000" dirty="0"/>
-              <a:t>Web</a:t>
-            </a:r>
-            <a:r>
-              <a:rPr lang="zh-CN" altLang="en-US" sz="2000" dirty="0" smtClean="0"/>
-              <a:t>端</a:t>
-            </a:r>
-            <a:endParaRPr lang="en-US" altLang="zh-CN" sz="2000" dirty="0" smtClean="0"/>
-          </a:p>
-        </p:txBody>
-      </p:sp>
-      <p:sp>
-        <p:nvSpPr>
-          <p:cNvPr id="3" name="标题 2"/>
-          <p:cNvSpPr>
-            <a:spLocks noGrp="1"/>
-          </p:cNvSpPr>
-          <p:nvPr>
-            <p:ph type="title"/>
-          </p:nvPr>
-        </p:nvSpPr>
-        <p:spPr/>
-        <p:txBody>
-          <a:bodyPr>
-            <a:normAutofit/>
-          </a:bodyPr>
-          <a:lstStyle/>
-          <a:p>
-            <a:r>
-              <a:rPr lang="en-US" altLang="zh-CN" dirty="0" smtClean="0"/>
-              <a:t>Requirement</a:t>
-            </a:r>
-            <a:endParaRPr lang="zh-CN" altLang="en-US" dirty="0"/>
-          </a:p>
-        </p:txBody>
-      </p:sp>
-    </p:spTree>
-    <p:extLst>
-      <p:ext uri="{BB962C8B-B14F-4D97-AF65-F5344CB8AC3E}">
-        <p14:creationId xmlns:p14="http://schemas.microsoft.com/office/powerpoint/2010/main" val="1768602651"/>
-      </p:ext>
-    </p:extLst>
-  </p:cSld>
-  <p:clrMapOvr>
-    <a:masterClrMapping/>
-  </p:clrMapOvr>
-  <mc:AlternateContent xmlns:mc="http://schemas.openxmlformats.org/markup-compatibility/2006" xmlns:p14="http://schemas.microsoft.com/office/powerpoint/2010/main">
-    <mc:Choice Requires="p14">
-      <p:transition spd="slow" p14:dur="2000"/>
-    </mc:Choice>
-    <mc:Fallback xmlns="">
-      <p:transition spd="slow"/>
-    </mc:Fallback>
-  </mc:AlternateContent>
-  <p:timing>
-    <p:tnLst>
-      <p:par>
-        <p:cTn id="1" dur="indefinite" restart="never" nodeType="tmRoot"/>
-      </p:par>
-    </p:tnLst>
-  </p:timing>
-</p:sld>
-</file>
-
-<file path=ppt/slides/slide8.xml><?xml version="1.0" encoding="utf-8"?>
-<p:sld xmlns:a="http://schemas.openxmlformats.org/drawingml/2006/main" xmlns:r="http://schemas.openxmlformats.org/officeDocument/2006/relationships" xmlns:p="http://schemas.openxmlformats.org/presentationml/2006/main">
-  <p:cSld>
-    <p:spTree>
-      <p:nvGrpSpPr>
-        <p:cNvPr id="1" name=""/>
-        <p:cNvGrpSpPr/>
-        <p:nvPr/>
-      </p:nvGrpSpPr>
-      <p:grpSpPr>
-        <a:xfrm>
-          <a:off x="0" y="0"/>
-          <a:ext cx="0" cy="0"/>
-          <a:chOff x="0" y="0"/>
-          <a:chExt cx="0" cy="0"/>
-        </a:xfrm>
-      </p:grpSpPr>
-      <p:sp>
-        <p:nvSpPr>
-          <p:cNvPr id="2" name="标题 1"/>
-          <p:cNvSpPr>
-            <a:spLocks noGrp="1"/>
-          </p:cNvSpPr>
-          <p:nvPr>
-            <p:ph type="title"/>
-          </p:nvPr>
-        </p:nvSpPr>
-        <p:spPr/>
-        <p:txBody>
-          <a:bodyPr>
-            <a:normAutofit fontScale="90000"/>
-          </a:bodyPr>
-          <a:lstStyle/>
-          <a:p>
-            <a:r>
-              <a:rPr lang="zh-CN" altLang="en-US" dirty="0">
-                <a:latin typeface="微软雅黑" panose="020B0503020204020204" pitchFamily="34" charset="-122"/>
-                <a:ea typeface="微软雅黑" panose="020B0503020204020204" pitchFamily="34" charset="-122"/>
-              </a:rPr>
-              <a:t>目录 </a:t>
-            </a:r>
-            <a:r>
-              <a:rPr lang="en-US" altLang="zh-CN" dirty="0">
-                <a:latin typeface="微软雅黑" panose="020B0503020204020204" pitchFamily="34" charset="-122"/>
-                <a:ea typeface="微软雅黑" panose="020B0503020204020204" pitchFamily="34" charset="-122"/>
-              </a:rPr>
-              <a:t>Contents</a:t>
-            </a:r>
-            <a:endParaRPr lang="zh-CN" altLang="en-US" dirty="0">
-              <a:latin typeface="微软雅黑" panose="020B0503020204020204" pitchFamily="34" charset="-122"/>
-              <a:ea typeface="微软雅黑" panose="020B0503020204020204" pitchFamily="34" charset="-122"/>
-            </a:endParaRPr>
-          </a:p>
-        </p:txBody>
-      </p:sp>
-      <p:sp>
-        <p:nvSpPr>
-          <p:cNvPr id="4" name="Freeform 10"/>
-          <p:cNvSpPr>
-            <a:spLocks/>
-          </p:cNvSpPr>
-          <p:nvPr userDrawn="1"/>
-        </p:nvSpPr>
-        <p:spPr bwMode="auto">
-          <a:xfrm>
-            <a:off x="1841535" y="2384026"/>
-            <a:ext cx="843427" cy="378244"/>
-          </a:xfrm>
-          <a:custGeom>
-            <a:avLst/>
-            <a:gdLst>
-              <a:gd name="T0" fmla="*/ 3120 w 3800"/>
-              <a:gd name="T1" fmla="*/ 0 h 1532"/>
-              <a:gd name="T2" fmla="*/ 682 w 3800"/>
-              <a:gd name="T3" fmla="*/ 0 h 1532"/>
-              <a:gd name="T4" fmla="*/ 682 w 3800"/>
-              <a:gd name="T5" fmla="*/ 284 h 1532"/>
-              <a:gd name="T6" fmla="*/ 0 w 3800"/>
-              <a:gd name="T7" fmla="*/ 766 h 1532"/>
-              <a:gd name="T8" fmla="*/ 682 w 3800"/>
-              <a:gd name="T9" fmla="*/ 1248 h 1532"/>
-              <a:gd name="T10" fmla="*/ 682 w 3800"/>
-              <a:gd name="T11" fmla="*/ 1532 h 1532"/>
-              <a:gd name="T12" fmla="*/ 3120 w 3800"/>
-              <a:gd name="T13" fmla="*/ 1532 h 1532"/>
-              <a:gd name="T14" fmla="*/ 3120 w 3800"/>
-              <a:gd name="T15" fmla="*/ 1248 h 1532"/>
-              <a:gd name="T16" fmla="*/ 3800 w 3800"/>
-              <a:gd name="T17" fmla="*/ 766 h 1532"/>
-              <a:gd name="T18" fmla="*/ 3120 w 3800"/>
-              <a:gd name="T19" fmla="*/ 284 h 1532"/>
-              <a:gd name="T20" fmla="*/ 3120 w 3800"/>
-              <a:gd name="T21" fmla="*/ 0 h 1532"/>
-            </a:gdLst>
-            <a:ahLst/>
-            <a:cxnLst>
-              <a:cxn ang="0">
-                <a:pos x="T0" y="T1"/>
-              </a:cxn>
-              <a:cxn ang="0">
-                <a:pos x="T2" y="T3"/>
-              </a:cxn>
-              <a:cxn ang="0">
-                <a:pos x="T4" y="T5"/>
-              </a:cxn>
-              <a:cxn ang="0">
-                <a:pos x="T6" y="T7"/>
-              </a:cxn>
-              <a:cxn ang="0">
-                <a:pos x="T8" y="T9"/>
-              </a:cxn>
-              <a:cxn ang="0">
-                <a:pos x="T10" y="T11"/>
-              </a:cxn>
-              <a:cxn ang="0">
-                <a:pos x="T12" y="T13"/>
-              </a:cxn>
-              <a:cxn ang="0">
-                <a:pos x="T14" y="T15"/>
-              </a:cxn>
-              <a:cxn ang="0">
-                <a:pos x="T16" y="T17"/>
-              </a:cxn>
-              <a:cxn ang="0">
-                <a:pos x="T18" y="T19"/>
-              </a:cxn>
-              <a:cxn ang="0">
-                <a:pos x="T20" y="T21"/>
-              </a:cxn>
-            </a:cxnLst>
-            <a:rect l="0" t="0" r="r" b="b"/>
-            <a:pathLst>
-              <a:path w="3800" h="1532">
-                <a:moveTo>
-                  <a:pt x="3120" y="0"/>
-                </a:moveTo>
-                <a:lnTo>
-                  <a:pt x="682" y="0"/>
-                </a:lnTo>
-                <a:lnTo>
-                  <a:pt x="682" y="284"/>
-                </a:lnTo>
-                <a:lnTo>
-                  <a:pt x="0" y="766"/>
-                </a:lnTo>
-                <a:lnTo>
-                  <a:pt x="682" y="1248"/>
-                </a:lnTo>
-                <a:lnTo>
-                  <a:pt x="682" y="1532"/>
-                </a:lnTo>
-                <a:lnTo>
-                  <a:pt x="3120" y="1532"/>
-                </a:lnTo>
-                <a:lnTo>
-                  <a:pt x="3120" y="1248"/>
-                </a:lnTo>
-                <a:lnTo>
-                  <a:pt x="3800" y="766"/>
-                </a:lnTo>
-                <a:lnTo>
-                  <a:pt x="3120" y="284"/>
-                </a:lnTo>
-                <a:lnTo>
-                  <a:pt x="3120" y="0"/>
-                </a:lnTo>
-                <a:close/>
-              </a:path>
-            </a:pathLst>
-          </a:custGeom>
-          <a:solidFill>
-            <a:schemeClr val="bg2"/>
-          </a:solidFill>
-          <a:ln>
-            <a:noFill/>
-          </a:ln>
-        </p:spPr>
-        <p:txBody>
-          <a:bodyPr vert="horz" wrap="square" lIns="91440" tIns="45720" rIns="91440" bIns="45720" numCol="1" anchor="ctr" anchorCtr="0" compatLnSpc="1">
-            <a:prstTxWarp prst="textNoShape">
-              <a:avLst/>
-            </a:prstTxWarp>
-            <a:noAutofit/>
-          </a:bodyPr>
-          <a:lstStyle/>
-          <a:p>
-            <a:pPr algn="ctr"/>
-            <a:endParaRPr lang="zh-CN" altLang="en-US" sz="3200" b="1"/>
-          </a:p>
-        </p:txBody>
-      </p:sp>
-      <p:sp>
-        <p:nvSpPr>
-          <p:cNvPr id="5" name="文本框 4"/>
-          <p:cNvSpPr txBox="1"/>
-          <p:nvPr userDrawn="1"/>
-        </p:nvSpPr>
-        <p:spPr>
-          <a:xfrm>
-            <a:off x="2071646" y="2315251"/>
-            <a:ext cx="383206" cy="487549"/>
-          </a:xfrm>
-          <a:prstGeom prst="rect">
-            <a:avLst/>
-          </a:prstGeom>
-          <a:noFill/>
-        </p:spPr>
-        <p:txBody>
-          <a:bodyPr wrap="none" rtlCol="0" anchor="ctr">
-            <a:noAutofit/>
-          </a:bodyPr>
-          <a:lstStyle/>
-          <a:p>
-            <a:pPr algn="ctr"/>
-            <a:r>
-              <a:rPr lang="en-US" altLang="zh-CN" b="1" dirty="0" smtClean="0">
-                <a:solidFill>
-                  <a:schemeClr val="bg1"/>
-                </a:solidFill>
-                <a:latin typeface="微软雅黑" panose="020B0503020204020204" pitchFamily="34" charset="-122"/>
-                <a:ea typeface="微软雅黑" panose="020B0503020204020204" pitchFamily="34" charset="-122"/>
-              </a:rPr>
-              <a:t>1</a:t>
-            </a:r>
-            <a:endParaRPr lang="zh-CN" altLang="en-US" b="1" dirty="0">
-              <a:solidFill>
-                <a:schemeClr val="bg1"/>
-              </a:solidFill>
-              <a:latin typeface="微软雅黑" panose="020B0503020204020204" pitchFamily="34" charset="-122"/>
-              <a:ea typeface="微软雅黑" panose="020B0503020204020204" pitchFamily="34" charset="-122"/>
-            </a:endParaRPr>
-          </a:p>
-        </p:txBody>
-      </p:sp>
-      <p:cxnSp>
-        <p:nvCxnSpPr>
-          <p:cNvPr id="7" name="直接连接符 6"/>
-          <p:cNvCxnSpPr>
-            <a:stCxn id="4" idx="6"/>
-          </p:cNvCxnSpPr>
-          <p:nvPr/>
-        </p:nvCxnSpPr>
-        <p:spPr>
-          <a:xfrm flipV="1">
-            <a:off x="2534033" y="2744217"/>
-            <a:ext cx="4500000" cy="18912"/>
-          </a:xfrm>
-          <a:prstGeom prst="line">
-            <a:avLst/>
-          </a:prstGeom>
-          <a:ln>
-            <a:solidFill>
-              <a:schemeClr val="bg2"/>
-            </a:solidFill>
-          </a:ln>
-        </p:spPr>
-        <p:style>
-          <a:lnRef idx="1">
-            <a:schemeClr val="accent1"/>
-          </a:lnRef>
-          <a:fillRef idx="0">
-            <a:schemeClr val="accent1"/>
-          </a:fillRef>
-          <a:effectRef idx="0">
-            <a:schemeClr val="accent1"/>
-          </a:effectRef>
-          <a:fontRef idx="minor">
-            <a:schemeClr val="tx1"/>
-          </a:fontRef>
-        </p:style>
-      </p:cxnSp>
-      <p:sp>
-        <p:nvSpPr>
-          <p:cNvPr id="11" name="文本框 10"/>
-          <p:cNvSpPr txBox="1"/>
-          <p:nvPr/>
-        </p:nvSpPr>
-        <p:spPr>
-          <a:xfrm>
-            <a:off x="2915073" y="2285512"/>
-            <a:ext cx="4387392" cy="461665"/>
-          </a:xfrm>
-          <a:prstGeom prst="rect">
-            <a:avLst/>
-          </a:prstGeom>
-          <a:noFill/>
-        </p:spPr>
-        <p:txBody>
-          <a:bodyPr wrap="square" rtlCol="0">
-            <a:spAutoFit/>
-          </a:bodyPr>
-          <a:lstStyle/>
-          <a:p>
-            <a:r>
-              <a:rPr lang="en-US" altLang="zh-CN" sz="2400" dirty="0"/>
-              <a:t>Requirement</a:t>
-            </a:r>
-            <a:endParaRPr lang="zh-CN" altLang="en-US" sz="2400" dirty="0"/>
-          </a:p>
-        </p:txBody>
-      </p:sp>
-      <p:sp>
-        <p:nvSpPr>
-          <p:cNvPr id="13" name="Freeform 10"/>
-          <p:cNvSpPr>
-            <a:spLocks/>
-          </p:cNvSpPr>
-          <p:nvPr userDrawn="1"/>
-        </p:nvSpPr>
-        <p:spPr bwMode="auto">
-          <a:xfrm>
-            <a:off x="1841535" y="3303999"/>
-            <a:ext cx="843427" cy="378244"/>
-          </a:xfrm>
-          <a:custGeom>
-            <a:avLst/>
-            <a:gdLst>
-              <a:gd name="T0" fmla="*/ 3120 w 3800"/>
-              <a:gd name="T1" fmla="*/ 0 h 1532"/>
-              <a:gd name="T2" fmla="*/ 682 w 3800"/>
-              <a:gd name="T3" fmla="*/ 0 h 1532"/>
-              <a:gd name="T4" fmla="*/ 682 w 3800"/>
-              <a:gd name="T5" fmla="*/ 284 h 1532"/>
-              <a:gd name="T6" fmla="*/ 0 w 3800"/>
-              <a:gd name="T7" fmla="*/ 766 h 1532"/>
-              <a:gd name="T8" fmla="*/ 682 w 3800"/>
-              <a:gd name="T9" fmla="*/ 1248 h 1532"/>
-              <a:gd name="T10" fmla="*/ 682 w 3800"/>
-              <a:gd name="T11" fmla="*/ 1532 h 1532"/>
-              <a:gd name="T12" fmla="*/ 3120 w 3800"/>
-              <a:gd name="T13" fmla="*/ 1532 h 1532"/>
-              <a:gd name="T14" fmla="*/ 3120 w 3800"/>
-              <a:gd name="T15" fmla="*/ 1248 h 1532"/>
-              <a:gd name="T16" fmla="*/ 3800 w 3800"/>
-              <a:gd name="T17" fmla="*/ 766 h 1532"/>
-              <a:gd name="T18" fmla="*/ 3120 w 3800"/>
-              <a:gd name="T19" fmla="*/ 284 h 1532"/>
-              <a:gd name="T20" fmla="*/ 3120 w 3800"/>
-              <a:gd name="T21" fmla="*/ 0 h 1532"/>
-            </a:gdLst>
-            <a:ahLst/>
-            <a:cxnLst>
-              <a:cxn ang="0">
-                <a:pos x="T0" y="T1"/>
-              </a:cxn>
-              <a:cxn ang="0">
-                <a:pos x="T2" y="T3"/>
-              </a:cxn>
-              <a:cxn ang="0">
-                <a:pos x="T4" y="T5"/>
-              </a:cxn>
-              <a:cxn ang="0">
-                <a:pos x="T6" y="T7"/>
-              </a:cxn>
-              <a:cxn ang="0">
-                <a:pos x="T8" y="T9"/>
-              </a:cxn>
-              <a:cxn ang="0">
-                <a:pos x="T10" y="T11"/>
-              </a:cxn>
-              <a:cxn ang="0">
-                <a:pos x="T12" y="T13"/>
-              </a:cxn>
-              <a:cxn ang="0">
-                <a:pos x="T14" y="T15"/>
-              </a:cxn>
-              <a:cxn ang="0">
-                <a:pos x="T16" y="T17"/>
-              </a:cxn>
-              <a:cxn ang="0">
-                <a:pos x="T18" y="T19"/>
-              </a:cxn>
-              <a:cxn ang="0">
-                <a:pos x="T20" y="T21"/>
-              </a:cxn>
-            </a:cxnLst>
-            <a:rect l="0" t="0" r="r" b="b"/>
-            <a:pathLst>
-              <a:path w="3800" h="1532">
-                <a:moveTo>
-                  <a:pt x="3120" y="0"/>
-                </a:moveTo>
-                <a:lnTo>
-                  <a:pt x="682" y="0"/>
-                </a:lnTo>
-                <a:lnTo>
-                  <a:pt x="682" y="284"/>
-                </a:lnTo>
-                <a:lnTo>
-                  <a:pt x="0" y="766"/>
-                </a:lnTo>
-                <a:lnTo>
-                  <a:pt x="682" y="1248"/>
-                </a:lnTo>
-                <a:lnTo>
-                  <a:pt x="682" y="1532"/>
-                </a:lnTo>
-                <a:lnTo>
-                  <a:pt x="3120" y="1532"/>
-                </a:lnTo>
-                <a:lnTo>
-                  <a:pt x="3120" y="1248"/>
-                </a:lnTo>
-                <a:lnTo>
-                  <a:pt x="3800" y="766"/>
-                </a:lnTo>
-                <a:lnTo>
-                  <a:pt x="3120" y="284"/>
-                </a:lnTo>
-                <a:lnTo>
-                  <a:pt x="3120" y="0"/>
-                </a:lnTo>
-                <a:close/>
-              </a:path>
-            </a:pathLst>
-          </a:custGeom>
-          <a:solidFill>
-            <a:schemeClr val="accent1"/>
-          </a:solidFill>
-          <a:ln>
-            <a:noFill/>
-          </a:ln>
-        </p:spPr>
-        <p:txBody>
-          <a:bodyPr vert="horz" wrap="square" lIns="91440" tIns="45720" rIns="91440" bIns="45720" numCol="1" anchor="ctr" anchorCtr="0" compatLnSpc="1">
-            <a:prstTxWarp prst="textNoShape">
-              <a:avLst/>
-            </a:prstTxWarp>
-            <a:noAutofit/>
-          </a:bodyPr>
-          <a:lstStyle/>
-          <a:p>
-            <a:pPr algn="ctr"/>
-            <a:endParaRPr lang="zh-CN" altLang="en-US" sz="3200" b="1"/>
-          </a:p>
-        </p:txBody>
-      </p:sp>
-      <p:sp>
-        <p:nvSpPr>
-          <p:cNvPr id="14" name="文本框 13"/>
-          <p:cNvSpPr txBox="1"/>
-          <p:nvPr userDrawn="1"/>
-        </p:nvSpPr>
-        <p:spPr>
-          <a:xfrm>
-            <a:off x="2071646" y="3235224"/>
-            <a:ext cx="383206" cy="487549"/>
-          </a:xfrm>
-          <a:prstGeom prst="rect">
-            <a:avLst/>
-          </a:prstGeom>
-          <a:noFill/>
-        </p:spPr>
-        <p:txBody>
-          <a:bodyPr wrap="none" rtlCol="0" anchor="ctr">
-            <a:noAutofit/>
-          </a:bodyPr>
-          <a:lstStyle/>
-          <a:p>
-            <a:pPr algn="ctr"/>
-            <a:r>
-              <a:rPr lang="en-US" altLang="zh-CN" b="1" dirty="0" smtClean="0">
-                <a:solidFill>
-                  <a:schemeClr val="bg1"/>
-                </a:solidFill>
-                <a:latin typeface="微软雅黑" panose="020B0503020204020204" pitchFamily="34" charset="-122"/>
-                <a:ea typeface="微软雅黑" panose="020B0503020204020204" pitchFamily="34" charset="-122"/>
-              </a:rPr>
-              <a:t>2</a:t>
-            </a:r>
-            <a:endParaRPr lang="zh-CN" altLang="en-US" b="1" dirty="0">
-              <a:solidFill>
-                <a:schemeClr val="bg1"/>
-              </a:solidFill>
-              <a:latin typeface="微软雅黑" panose="020B0503020204020204" pitchFamily="34" charset="-122"/>
-              <a:ea typeface="微软雅黑" panose="020B0503020204020204" pitchFamily="34" charset="-122"/>
-            </a:endParaRPr>
-          </a:p>
-        </p:txBody>
-      </p:sp>
-      <p:cxnSp>
-        <p:nvCxnSpPr>
-          <p:cNvPr id="15" name="直接连接符 14"/>
-          <p:cNvCxnSpPr>
-            <a:stCxn id="13" idx="6"/>
-          </p:cNvCxnSpPr>
-          <p:nvPr/>
-        </p:nvCxnSpPr>
-        <p:spPr>
-          <a:xfrm flipV="1">
-            <a:off x="2534033" y="3664190"/>
-            <a:ext cx="4500000" cy="18912"/>
-          </a:xfrm>
-          <a:prstGeom prst="line">
-            <a:avLst/>
-          </a:prstGeom>
-          <a:ln>
-            <a:solidFill>
-              <a:schemeClr val="accent1"/>
-            </a:solidFill>
-          </a:ln>
-        </p:spPr>
-        <p:style>
-          <a:lnRef idx="1">
-            <a:schemeClr val="accent1"/>
-          </a:lnRef>
-          <a:fillRef idx="0">
-            <a:schemeClr val="accent1"/>
-          </a:fillRef>
-          <a:effectRef idx="0">
-            <a:schemeClr val="accent1"/>
-          </a:effectRef>
-          <a:fontRef idx="minor">
-            <a:schemeClr val="tx1"/>
-          </a:fontRef>
-        </p:style>
-      </p:cxnSp>
-      <p:sp>
-        <p:nvSpPr>
-          <p:cNvPr id="16" name="文本框 15"/>
-          <p:cNvSpPr txBox="1"/>
-          <p:nvPr/>
-        </p:nvSpPr>
-        <p:spPr>
-          <a:xfrm>
-            <a:off x="2915073" y="3205485"/>
-            <a:ext cx="4387392" cy="461665"/>
-          </a:xfrm>
-          <a:prstGeom prst="rect">
-            <a:avLst/>
-          </a:prstGeom>
-          <a:noFill/>
-        </p:spPr>
-        <p:txBody>
-          <a:bodyPr wrap="square" rtlCol="0">
-            <a:spAutoFit/>
-          </a:bodyPr>
-          <a:lstStyle/>
-          <a:p>
-            <a:r>
-              <a:rPr lang="en-US" altLang="zh-CN" sz="2400" dirty="0">
-                <a:solidFill>
-                  <a:schemeClr val="tx1">
-                    <a:lumMod val="75000"/>
-                    <a:lumOff val="25000"/>
-                  </a:schemeClr>
-                </a:solidFill>
-              </a:rPr>
-              <a:t>Implementation </a:t>
-            </a:r>
-          </a:p>
-        </p:txBody>
-      </p:sp>
-    </p:spTree>
-    <p:extLst>
-      <p:ext uri="{BB962C8B-B14F-4D97-AF65-F5344CB8AC3E}">
-        <p14:creationId xmlns:p14="http://schemas.microsoft.com/office/powerpoint/2010/main" val="3595279237"/>
-      </p:ext>
-    </p:extLst>
-  </p:cSld>
-  <p:clrMapOvr>
-    <a:masterClrMapping/>
-  </p:clrMapOvr>
-  <mc:AlternateContent xmlns:mc="http://schemas.openxmlformats.org/markup-compatibility/2006" xmlns:p14="http://schemas.microsoft.com/office/powerpoint/2010/main">
-    <mc:Choice Requires="p14">
-      <p:transition spd="slow" p14:dur="2000"/>
-    </mc:Choice>
-    <mc:Fallback xmlns="">
-      <p:transition spd="slow"/>
-    </mc:Fallback>
-  </mc:AlternateContent>
-  <p:timing>
-    <p:tnLst>
-      <p:par>
-        <p:cTn id="1" dur="indefinite" restart="never" nodeType="tmRoot"/>
-      </p:par>
-    </p:tnLst>
-  </p:timing>
 </p:sld>
 </file>
 
@@ -10653,9 +11389,48 @@
           <a:lstStyle/>
           <a:p>
             <a:r>
-              <a:rPr lang="en-US" altLang="zh-CN" dirty="0" smtClean="0"/>
-              <a:t>Solution validation</a:t>
-            </a:r>
+              <a:rPr lang="en-US" altLang="zh-CN" b="1" dirty="0"/>
+              <a:t>Scope of our product</a:t>
+            </a:r>
+            <a:endParaRPr lang="en-US" altLang="zh-CN" dirty="0"/>
+          </a:p>
+          <a:p>
+            <a:pPr lvl="1"/>
+            <a:r>
+              <a:rPr lang="zh-CN" altLang="en-US" sz="2000" dirty="0"/>
+              <a:t>面向全体上海交通大学在校本科生</a:t>
+            </a:r>
+            <a:endParaRPr lang="en-US" altLang="zh-CN" sz="2000" dirty="0"/>
+          </a:p>
+          <a:p>
+            <a:pPr lvl="1"/>
+            <a:r>
+              <a:rPr lang="zh-CN" altLang="en-US" sz="2000" dirty="0"/>
+              <a:t>提供精准的、合适的、个性化的图书借阅推荐</a:t>
+            </a:r>
+            <a:endParaRPr lang="en-US" altLang="zh-CN" sz="2000" dirty="0"/>
+          </a:p>
+          <a:p>
+            <a:r>
+              <a:rPr lang="en-US" altLang="zh-CN" dirty="0"/>
+              <a:t>Solution </a:t>
+            </a:r>
+          </a:p>
+          <a:p>
+            <a:pPr lvl="1"/>
+            <a:r>
+              <a:rPr lang="zh-CN" altLang="en-US" sz="2000" dirty="0"/>
+              <a:t>实现图书借阅推荐推荐系统</a:t>
+            </a:r>
+            <a:r>
+              <a:rPr lang="en-US" altLang="zh-CN" sz="2000" dirty="0"/>
+              <a:t>Web</a:t>
+            </a:r>
+            <a:r>
+              <a:rPr lang="zh-CN" altLang="en-US" sz="2000" dirty="0"/>
+              <a:t>端</a:t>
+            </a:r>
+            <a:endParaRPr lang="en-US" altLang="zh-CN" sz="2000" dirty="0"/>
           </a:p>
         </p:txBody>
       </p:sp>
@@ -10671,72 +11446,29 @@
         </p:nvSpPr>
         <p:spPr/>
         <p:txBody>
-          <a:bodyPr/>
+          <a:bodyPr>
+            <a:normAutofit/>
+          </a:bodyPr>
           <a:lstStyle/>
           <a:p>
             <a:r>
               <a:rPr lang="en-US" altLang="zh-CN" dirty="0"/>
-              <a:t>Implementation</a:t>
+              <a:t>Requirement</a:t>
             </a:r>
             <a:endParaRPr lang="zh-CN" altLang="en-US" dirty="0"/>
           </a:p>
         </p:txBody>
       </p:sp>
-      <p:pic>
-        <p:nvPicPr>
-          <p:cNvPr id="2" name="图片 1"/>
-          <p:cNvPicPr>
-            <a:picLocks noChangeAspect="1"/>
-          </p:cNvPicPr>
-          <p:nvPr/>
-        </p:nvPicPr>
-        <p:blipFill>
-          <a:blip r:embed="rId2">
-            <a:extLst>
-              <a:ext uri="{28A0092B-C50C-407E-A947-70E740481C1C}">
-                <a14:useLocalDpi xmlns:a14="http://schemas.microsoft.com/office/drawing/2010/main" val="0"/>
-              </a:ext>
-            </a:extLst>
-          </a:blip>
-          <a:stretch>
-            <a:fillRect/>
-          </a:stretch>
-        </p:blipFill>
-        <p:spPr>
-          <a:xfrm>
-            <a:off x="108105" y="1731159"/>
-            <a:ext cx="9144000" cy="5699484"/>
-          </a:xfrm>
-          <a:prstGeom prst="rect">
-            <a:avLst/>
-          </a:prstGeom>
-        </p:spPr>
-      </p:pic>
     </p:spTree>
     <p:extLst>
       <p:ext uri="{BB962C8B-B14F-4D97-AF65-F5344CB8AC3E}">
-        <p14:creationId xmlns:p14="http://schemas.microsoft.com/office/powerpoint/2010/main" val="794682622"/>
+        <p14:creationId xmlns:p14="http://schemas.microsoft.com/office/powerpoint/2010/main" val="1768602651"/>
       </p:ext>
     </p:extLst>
   </p:cSld>
   <p:clrMapOvr>
     <a:masterClrMapping/>
   </p:clrMapOvr>
-  <mc:AlternateContent xmlns:mc="http://schemas.openxmlformats.org/markup-compatibility/2006" xmlns:p14="http://schemas.microsoft.com/office/powerpoint/2010/main">
-    <mc:Choice Requires="p14">
-      <p:transition spd="slow" p14:dur="2000"/>
-    </mc:Choice>
-    <mc:Fallback xmlns="">
-      <p:transition spd="slow"/>
-    </mc:Fallback>
-  </mc:AlternateContent>
-  <p:timing>
-    <p:tnLst>
-      <p:par>
-        <p:cTn id="1" dur="indefinite" restart="never" nodeType="tmRoot"/>
-      </p:par>
-    </p:tnLst>
-  </p:timing>
 </p:sld>
 </file>
 
